--- a/documents/创意科技-项目答辩.pptx
+++ b/documents/创意科技-项目答辩.pptx
@@ -5,29 +5,29 @@
     <p:sldMasterId id="2147483648" r:id="rId1"/>
   </p:sldMasterIdLst>
   <p:notesMasterIdLst>
-    <p:notesMasterId r:id="rId4"/>
+    <p:notesMasterId r:id="rId22"/>
   </p:notesMasterIdLst>
   <p:sldIdLst>
-    <p:sldId id="256" r:id="rId3"/>
-    <p:sldId id="258" r:id="rId5"/>
-    <p:sldId id="257" r:id="rId6"/>
-    <p:sldId id="259" r:id="rId7"/>
-    <p:sldId id="260" r:id="rId8"/>
-    <p:sldId id="262" r:id="rId9"/>
-    <p:sldId id="267" r:id="rId10"/>
-    <p:sldId id="264" r:id="rId11"/>
-    <p:sldId id="265" r:id="rId12"/>
-    <p:sldId id="266" r:id="rId13"/>
-    <p:sldId id="268" r:id="rId14"/>
-    <p:sldId id="270" r:id="rId15"/>
-    <p:sldId id="269" r:id="rId16"/>
-    <p:sldId id="271" r:id="rId17"/>
-    <p:sldId id="280" r:id="rId18"/>
-    <p:sldId id="283" r:id="rId19"/>
-    <p:sldId id="284" r:id="rId20"/>
-    <p:sldId id="287" r:id="rId21"/>
-    <p:sldId id="289" r:id="rId22"/>
-    <p:sldId id="286" r:id="rId23"/>
+    <p:sldId id="256" r:id="rId2"/>
+    <p:sldId id="258" r:id="rId3"/>
+    <p:sldId id="257" r:id="rId4"/>
+    <p:sldId id="259" r:id="rId5"/>
+    <p:sldId id="260" r:id="rId6"/>
+    <p:sldId id="262" r:id="rId7"/>
+    <p:sldId id="267" r:id="rId8"/>
+    <p:sldId id="264" r:id="rId9"/>
+    <p:sldId id="265" r:id="rId10"/>
+    <p:sldId id="266" r:id="rId11"/>
+    <p:sldId id="268" r:id="rId12"/>
+    <p:sldId id="270" r:id="rId13"/>
+    <p:sldId id="269" r:id="rId14"/>
+    <p:sldId id="271" r:id="rId15"/>
+    <p:sldId id="280" r:id="rId16"/>
+    <p:sldId id="283" r:id="rId17"/>
+    <p:sldId id="284" r:id="rId18"/>
+    <p:sldId id="287" r:id="rId19"/>
+    <p:sldId id="289" r:id="rId20"/>
+    <p:sldId id="286" r:id="rId21"/>
   </p:sldIdLst>
   <p:sldSz cx="12192000" cy="6858000"/>
   <p:notesSz cx="6858000" cy="9144000"/>
@@ -211,6 +211,8 @@
           <a:p>
             <a:fld id="{2EECED71-3897-4403-99DE-D1937230D202}" type="datetimeFigureOut">
               <a:rPr lang="zh-CN" altLang="en-US" smtClean="0"/>
+              <a:pPr/>
+              <a:t>2017/6/16</a:t>
             </a:fld>
             <a:endParaRPr lang="zh-CN" altLang="en-US"/>
           </a:p>
@@ -277,7 +279,6 @@
               <a:rPr lang="zh-CN" altLang="en-US" smtClean="0"/>
               <a:t>单击此处编辑母版文本样式</a:t>
             </a:r>
-            <a:endParaRPr lang="zh-CN" altLang="en-US" smtClean="0"/>
           </a:p>
           <a:p>
             <a:pPr lvl="1"/>
@@ -285,7 +286,6 @@
               <a:rPr lang="zh-CN" altLang="en-US" smtClean="0"/>
               <a:t>第二级</a:t>
             </a:r>
-            <a:endParaRPr lang="zh-CN" altLang="en-US" smtClean="0"/>
           </a:p>
           <a:p>
             <a:pPr lvl="2"/>
@@ -293,7 +293,6 @@
               <a:rPr lang="zh-CN" altLang="en-US" smtClean="0"/>
               <a:t>第三级</a:t>
             </a:r>
-            <a:endParaRPr lang="zh-CN" altLang="en-US" smtClean="0"/>
           </a:p>
           <a:p>
             <a:pPr lvl="3"/>
@@ -301,7 +300,6 @@
               <a:rPr lang="zh-CN" altLang="en-US" smtClean="0"/>
               <a:t>第四级</a:t>
             </a:r>
-            <a:endParaRPr lang="zh-CN" altLang="en-US" smtClean="0"/>
           </a:p>
           <a:p>
             <a:pPr lvl="4"/>
@@ -373,6 +371,8 @@
           <a:p>
             <a:fld id="{1D072FC0-F231-42E8-9449-E83F71EDAFC1}" type="slidenum">
               <a:rPr lang="zh-CN" altLang="en-US" smtClean="0"/>
+              <a:pPr/>
+              <a:t>‹#›</a:t>
             </a:fld>
             <a:endParaRPr lang="zh-CN" altLang="en-US"/>
           </a:p>
@@ -541,6 +541,8 @@
           <a:p>
             <a:fld id="{1D072FC0-F231-42E8-9449-E83F71EDAFC1}" type="slidenum">
               <a:rPr lang="zh-CN" altLang="en-US" smtClean="0"/>
+              <a:pPr/>
+              <a:t>1</a:t>
             </a:fld>
             <a:endParaRPr lang="zh-CN" altLang="en-US"/>
           </a:p>
@@ -619,6 +621,8 @@
           <a:p>
             <a:fld id="{1D072FC0-F231-42E8-9449-E83F71EDAFC1}" type="slidenum">
               <a:rPr lang="zh-CN" altLang="en-US" smtClean="0"/>
+              <a:pPr/>
+              <a:t>10</a:t>
             </a:fld>
             <a:endParaRPr lang="zh-CN" altLang="en-US"/>
           </a:p>
@@ -697,6 +701,8 @@
           <a:p>
             <a:fld id="{1D072FC0-F231-42E8-9449-E83F71EDAFC1}" type="slidenum">
               <a:rPr lang="zh-CN" altLang="en-US" smtClean="0"/>
+              <a:pPr/>
+              <a:t>11</a:t>
             </a:fld>
             <a:endParaRPr lang="zh-CN" altLang="en-US"/>
           </a:p>
@@ -775,6 +781,8 @@
           <a:p>
             <a:fld id="{1D072FC0-F231-42E8-9449-E83F71EDAFC1}" type="slidenum">
               <a:rPr lang="zh-CN" altLang="en-US" smtClean="0"/>
+              <a:pPr/>
+              <a:t>12</a:t>
             </a:fld>
             <a:endParaRPr lang="zh-CN" altLang="en-US"/>
           </a:p>
@@ -853,6 +861,8 @@
           <a:p>
             <a:fld id="{1D072FC0-F231-42E8-9449-E83F71EDAFC1}" type="slidenum">
               <a:rPr lang="zh-CN" altLang="en-US" smtClean="0"/>
+              <a:pPr/>
+              <a:t>13</a:t>
             </a:fld>
             <a:endParaRPr lang="zh-CN" altLang="en-US"/>
           </a:p>
@@ -931,6 +941,8 @@
           <a:p>
             <a:fld id="{1D072FC0-F231-42E8-9449-E83F71EDAFC1}" type="slidenum">
               <a:rPr lang="zh-CN" altLang="en-US" smtClean="0"/>
+              <a:pPr/>
+              <a:t>14</a:t>
             </a:fld>
             <a:endParaRPr lang="zh-CN" altLang="en-US"/>
           </a:p>
@@ -1009,6 +1021,8 @@
           <a:p>
             <a:fld id="{1D072FC0-F231-42E8-9449-E83F71EDAFC1}" type="slidenum">
               <a:rPr lang="zh-CN" altLang="en-US" smtClean="0"/>
+              <a:pPr/>
+              <a:t>15</a:t>
             </a:fld>
             <a:endParaRPr lang="zh-CN" altLang="en-US"/>
           </a:p>
@@ -1087,6 +1101,8 @@
           <a:p>
             <a:fld id="{1D072FC0-F231-42E8-9449-E83F71EDAFC1}" type="slidenum">
               <a:rPr lang="zh-CN" altLang="en-US" smtClean="0"/>
+              <a:pPr/>
+              <a:t>16</a:t>
             </a:fld>
             <a:endParaRPr lang="zh-CN" altLang="en-US"/>
           </a:p>
@@ -1165,6 +1181,8 @@
           <a:p>
             <a:fld id="{1D072FC0-F231-42E8-9449-E83F71EDAFC1}" type="slidenum">
               <a:rPr lang="zh-CN" altLang="en-US" smtClean="0"/>
+              <a:pPr/>
+              <a:t>17</a:t>
             </a:fld>
             <a:endParaRPr lang="zh-CN" altLang="en-US"/>
           </a:p>
@@ -1243,6 +1261,8 @@
           <a:p>
             <a:fld id="{1D072FC0-F231-42E8-9449-E83F71EDAFC1}" type="slidenum">
               <a:rPr lang="zh-CN" altLang="en-US" smtClean="0"/>
+              <a:pPr/>
+              <a:t>18</a:t>
             </a:fld>
             <a:endParaRPr lang="zh-CN" altLang="en-US"/>
           </a:p>
@@ -1321,6 +1341,8 @@
           <a:p>
             <a:fld id="{1D072FC0-F231-42E8-9449-E83F71EDAFC1}" type="slidenum">
               <a:rPr lang="zh-CN" altLang="en-US" smtClean="0"/>
+              <a:pPr/>
+              <a:t>19</a:t>
             </a:fld>
             <a:endParaRPr lang="zh-CN" altLang="en-US"/>
           </a:p>
@@ -1399,6 +1421,8 @@
           <a:p>
             <a:fld id="{1D072FC0-F231-42E8-9449-E83F71EDAFC1}" type="slidenum">
               <a:rPr lang="zh-CN" altLang="en-US" smtClean="0"/>
+              <a:pPr/>
+              <a:t>2</a:t>
             </a:fld>
             <a:endParaRPr lang="zh-CN" altLang="en-US"/>
           </a:p>
@@ -1477,6 +1501,8 @@
           <a:p>
             <a:fld id="{1D072FC0-F231-42E8-9449-E83F71EDAFC1}" type="slidenum">
               <a:rPr lang="zh-CN" altLang="en-US" smtClean="0"/>
+              <a:pPr/>
+              <a:t>20</a:t>
             </a:fld>
             <a:endParaRPr lang="zh-CN" altLang="en-US"/>
           </a:p>
@@ -1555,6 +1581,8 @@
           <a:p>
             <a:fld id="{1D072FC0-F231-42E8-9449-E83F71EDAFC1}" type="slidenum">
               <a:rPr lang="zh-CN" altLang="en-US" smtClean="0"/>
+              <a:pPr/>
+              <a:t>3</a:t>
             </a:fld>
             <a:endParaRPr lang="zh-CN" altLang="en-US"/>
           </a:p>
@@ -1633,6 +1661,8 @@
           <a:p>
             <a:fld id="{1D072FC0-F231-42E8-9449-E83F71EDAFC1}" type="slidenum">
               <a:rPr lang="zh-CN" altLang="en-US" smtClean="0"/>
+              <a:pPr/>
+              <a:t>4</a:t>
             </a:fld>
             <a:endParaRPr lang="zh-CN" altLang="en-US"/>
           </a:p>
@@ -1711,6 +1741,8 @@
           <a:p>
             <a:fld id="{1D072FC0-F231-42E8-9449-E83F71EDAFC1}" type="slidenum">
               <a:rPr lang="zh-CN" altLang="en-US" smtClean="0"/>
+              <a:pPr/>
+              <a:t>5</a:t>
             </a:fld>
             <a:endParaRPr lang="zh-CN" altLang="en-US"/>
           </a:p>
@@ -1789,6 +1821,8 @@
           <a:p>
             <a:fld id="{1D072FC0-F231-42E8-9449-E83F71EDAFC1}" type="slidenum">
               <a:rPr lang="zh-CN" altLang="en-US" smtClean="0"/>
+              <a:pPr/>
+              <a:t>6</a:t>
             </a:fld>
             <a:endParaRPr lang="zh-CN" altLang="en-US"/>
           </a:p>
@@ -1867,6 +1901,8 @@
           <a:p>
             <a:fld id="{1D072FC0-F231-42E8-9449-E83F71EDAFC1}" type="slidenum">
               <a:rPr lang="zh-CN" altLang="en-US" smtClean="0"/>
+              <a:pPr/>
+              <a:t>7</a:t>
             </a:fld>
             <a:endParaRPr lang="zh-CN" altLang="en-US"/>
           </a:p>
@@ -1945,6 +1981,8 @@
           <a:p>
             <a:fld id="{1D072FC0-F231-42E8-9449-E83F71EDAFC1}" type="slidenum">
               <a:rPr lang="zh-CN" altLang="en-US" smtClean="0"/>
+              <a:pPr/>
+              <a:t>8</a:t>
             </a:fld>
             <a:endParaRPr lang="zh-CN" altLang="en-US"/>
           </a:p>
@@ -2023,6 +2061,8 @@
           <a:p>
             <a:fld id="{1D072FC0-F231-42E8-9449-E83F71EDAFC1}" type="slidenum">
               <a:rPr lang="zh-CN" altLang="en-US" smtClean="0"/>
+              <a:pPr/>
+              <a:t>9</a:t>
             </a:fld>
             <a:endParaRPr lang="zh-CN" altLang="en-US"/>
           </a:p>
@@ -2037,7 +2077,7 @@
 </file>
 
 <file path=ppt/slideLayouts/slideLayout1.xml><?xml version="1.0" encoding="utf-8"?>
-<p:sldLayout xmlns:a="http://schemas.openxmlformats.org/drawingml/2006/main" xmlns:r="http://schemas.openxmlformats.org/officeDocument/2006/relationships" xmlns:p="http://schemas.openxmlformats.org/presentationml/2006/main" preserve="1" showMasterSp="0" userDrawn="1">
+<p:sldLayout xmlns:a="http://schemas.openxmlformats.org/drawingml/2006/main" xmlns:r="http://schemas.openxmlformats.org/officeDocument/2006/relationships" xmlns:p="http://schemas.openxmlformats.org/presentationml/2006/main" showMasterSp="0" preserve="1" userDrawn="1">
   <p:cSld name="标题幻灯片">
     <p:bg>
       <p:bgPr>
@@ -3103,7 +3143,6 @@
               <a:rPr lang="zh-CN" altLang="en-US" smtClean="0"/>
               <a:t>单击此处编辑母版文本样式</a:t>
             </a:r>
-            <a:endParaRPr lang="zh-CN" altLang="en-US" smtClean="0"/>
           </a:p>
           <a:p>
             <a:pPr lvl="1"/>
@@ -3111,7 +3150,6 @@
               <a:rPr lang="zh-CN" altLang="en-US" smtClean="0"/>
               <a:t>第二级</a:t>
             </a:r>
-            <a:endParaRPr lang="zh-CN" altLang="en-US" smtClean="0"/>
           </a:p>
         </p:txBody>
       </p:sp>
@@ -3140,6 +3178,8 @@
           <a:p>
             <a:fld id="{1C20F355-3BEC-4685-9A5F-143FF989231D}" type="datetimeFigureOut">
               <a:rPr lang="zh-CN" altLang="en-US" smtClean="0"/>
+              <a:pPr/>
+              <a:t>2017/6/16</a:t>
             </a:fld>
             <a:endParaRPr lang="zh-CN" altLang="en-US"/>
           </a:p>
@@ -3189,6 +3229,8 @@
           <a:p>
             <a:fld id="{1560C19B-5D28-4838-8C85-B60248FB9BF2}" type="slidenum">
               <a:rPr lang="zh-CN" altLang="en-US" smtClean="0"/>
+              <a:pPr/>
+              <a:t>‹#›</a:t>
             </a:fld>
             <a:endParaRPr lang="zh-CN" altLang="en-US"/>
           </a:p>
@@ -3203,7 +3245,7 @@
 </file>
 
 <file path=ppt/slideLayouts/slideLayout11.xml><?xml version="1.0" encoding="utf-8"?>
-<p:sldLayout xmlns:a="http://schemas.openxmlformats.org/drawingml/2006/main" xmlns:r="http://schemas.openxmlformats.org/officeDocument/2006/relationships" xmlns:p="http://schemas.openxmlformats.org/presentationml/2006/main" type="vertTitleAndTx" preserve="1" showMasterSp="0">
+<p:sldLayout xmlns:a="http://schemas.openxmlformats.org/drawingml/2006/main" xmlns:r="http://schemas.openxmlformats.org/officeDocument/2006/relationships" xmlns:p="http://schemas.openxmlformats.org/presentationml/2006/main" showMasterSp="0" type="vertTitleAndTx" preserve="1">
   <p:cSld name="垂直排列标题与&#10;文本">
     <p:spTree>
       <p:nvGrpSpPr>
@@ -3275,7 +3317,6 @@
               <a:rPr lang="zh-CN" altLang="en-US" smtClean="0"/>
               <a:t>单击此处编辑母版文本样式</a:t>
             </a:r>
-            <a:endParaRPr lang="zh-CN" altLang="en-US" smtClean="0"/>
           </a:p>
           <a:p>
             <a:pPr lvl="1"/>
@@ -3283,7 +3324,6 @@
               <a:rPr lang="zh-CN" altLang="en-US" smtClean="0"/>
               <a:t>第二级</a:t>
             </a:r>
-            <a:endParaRPr lang="zh-CN" altLang="en-US" smtClean="0"/>
           </a:p>
         </p:txBody>
       </p:sp>
@@ -3312,6 +3352,8 @@
           <a:p>
             <a:fld id="{1C20F355-3BEC-4685-9A5F-143FF989231D}" type="datetimeFigureOut">
               <a:rPr lang="zh-CN" altLang="en-US" smtClean="0"/>
+              <a:pPr/>
+              <a:t>2017/6/16</a:t>
             </a:fld>
             <a:endParaRPr lang="zh-CN" altLang="en-US"/>
           </a:p>
@@ -3361,6 +3403,8 @@
           <a:p>
             <a:fld id="{1560C19B-5D28-4838-8C85-B60248FB9BF2}" type="slidenum">
               <a:rPr lang="zh-CN" altLang="en-US" smtClean="0"/>
+              <a:pPr/>
+              <a:t>‹#›</a:t>
             </a:fld>
             <a:endParaRPr lang="zh-CN" altLang="en-US"/>
           </a:p>
@@ -3431,6 +3475,8 @@
           <a:p>
             <a:fld id="{1560C19B-5D28-4838-8C85-B60248FB9BF2}" type="slidenum">
               <a:rPr lang="zh-CN" altLang="en-US" smtClean="0"/>
+              <a:pPr/>
+              <a:t>‹#›</a:t>
             </a:fld>
             <a:endParaRPr lang="zh-CN" altLang="en-US"/>
           </a:p>
@@ -3590,7 +3636,6 @@
               <a:rPr lang="zh-CN" altLang="en-US" smtClean="0"/>
               <a:t>单击此处编辑母版文本样式</a:t>
             </a:r>
-            <a:endParaRPr lang="zh-CN" altLang="en-US" smtClean="0"/>
           </a:p>
           <a:p>
             <a:pPr lvl="1"/>
@@ -3598,7 +3643,6 @@
               <a:rPr lang="zh-CN" altLang="en-US" smtClean="0"/>
               <a:t>第二级</a:t>
             </a:r>
-            <a:endParaRPr lang="zh-CN" altLang="en-US" smtClean="0"/>
           </a:p>
         </p:txBody>
       </p:sp>
@@ -3630,7 +3674,6 @@
               <a:rPr lang="zh-CN" altLang="en-US" smtClean="0"/>
               <a:t>单击此处编辑母版文本样式</a:t>
             </a:r>
-            <a:endParaRPr lang="zh-CN" altLang="en-US" smtClean="0"/>
           </a:p>
           <a:p>
             <a:pPr lvl="1"/>
@@ -3638,7 +3681,6 @@
               <a:rPr lang="zh-CN" altLang="en-US" smtClean="0"/>
               <a:t>第二级</a:t>
             </a:r>
-            <a:endParaRPr lang="zh-CN" altLang="en-US" smtClean="0"/>
           </a:p>
         </p:txBody>
       </p:sp>
@@ -3667,6 +3709,8 @@
           <a:p>
             <a:fld id="{1C20F355-3BEC-4685-9A5F-143FF989231D}" type="datetimeFigureOut">
               <a:rPr lang="zh-CN" altLang="en-US" smtClean="0"/>
+              <a:pPr/>
+              <a:t>2017/6/16</a:t>
             </a:fld>
             <a:endParaRPr lang="zh-CN" altLang="en-US"/>
           </a:p>
@@ -3716,6 +3760,8 @@
           <a:p>
             <a:fld id="{1560C19B-5D28-4838-8C85-B60248FB9BF2}" type="slidenum">
               <a:rPr lang="zh-CN" altLang="en-US" smtClean="0"/>
+              <a:pPr/>
+              <a:t>‹#›</a:t>
             </a:fld>
             <a:endParaRPr lang="zh-CN" altLang="en-US"/>
           </a:p>
@@ -3841,7 +3887,6 @@
               <a:rPr lang="zh-CN" altLang="en-US" smtClean="0"/>
               <a:t>单击此处编辑母版文本样式</a:t>
             </a:r>
-            <a:endParaRPr lang="zh-CN" altLang="en-US" smtClean="0"/>
           </a:p>
         </p:txBody>
       </p:sp>
@@ -3873,7 +3918,6 @@
               <a:rPr lang="zh-CN" altLang="en-US" smtClean="0"/>
               <a:t>单击此处编辑母版文本样式</a:t>
             </a:r>
-            <a:endParaRPr lang="zh-CN" altLang="en-US" smtClean="0"/>
           </a:p>
           <a:p>
             <a:pPr lvl="1"/>
@@ -3881,7 +3925,6 @@
               <a:rPr lang="zh-CN" altLang="en-US" smtClean="0"/>
               <a:t>第二级</a:t>
             </a:r>
-            <a:endParaRPr lang="zh-CN" altLang="en-US" smtClean="0"/>
           </a:p>
         </p:txBody>
       </p:sp>
@@ -3952,7 +3995,6 @@
               <a:rPr lang="zh-CN" altLang="en-US" smtClean="0"/>
               <a:t>单击此处编辑母版文本样式</a:t>
             </a:r>
-            <a:endParaRPr lang="zh-CN" altLang="en-US" smtClean="0"/>
           </a:p>
         </p:txBody>
       </p:sp>
@@ -3984,7 +4026,6 @@
               <a:rPr lang="zh-CN" altLang="en-US" smtClean="0"/>
               <a:t>单击此处编辑母版文本样式</a:t>
             </a:r>
-            <a:endParaRPr lang="zh-CN" altLang="en-US" smtClean="0"/>
           </a:p>
           <a:p>
             <a:pPr lvl="1"/>
@@ -3992,7 +4033,6 @@
               <a:rPr lang="zh-CN" altLang="en-US" smtClean="0"/>
               <a:t>第二级</a:t>
             </a:r>
-            <a:endParaRPr lang="zh-CN" altLang="en-US" smtClean="0"/>
           </a:p>
         </p:txBody>
       </p:sp>
@@ -4021,6 +4061,8 @@
           <a:p>
             <a:fld id="{1C20F355-3BEC-4685-9A5F-143FF989231D}" type="datetimeFigureOut">
               <a:rPr lang="zh-CN" altLang="en-US" smtClean="0"/>
+              <a:pPr/>
+              <a:t>2017/6/16</a:t>
             </a:fld>
             <a:endParaRPr lang="zh-CN" altLang="en-US"/>
           </a:p>
@@ -4070,6 +4112,8 @@
           <a:p>
             <a:fld id="{1560C19B-5D28-4838-8C85-B60248FB9BF2}" type="slidenum">
               <a:rPr lang="zh-CN" altLang="en-US" smtClean="0"/>
+              <a:pPr/>
+              <a:t>‹#›</a:t>
             </a:fld>
             <a:endParaRPr lang="zh-CN" altLang="en-US"/>
           </a:p>
@@ -4148,6 +4192,8 @@
           <a:p>
             <a:fld id="{1C20F355-3BEC-4685-9A5F-143FF989231D}" type="datetimeFigureOut">
               <a:rPr lang="zh-CN" altLang="en-US" smtClean="0"/>
+              <a:pPr/>
+              <a:t>2017/6/16</a:t>
             </a:fld>
             <a:endParaRPr lang="zh-CN" altLang="en-US"/>
           </a:p>
@@ -4197,6 +4243,8 @@
           <a:p>
             <a:fld id="{1560C19B-5D28-4838-8C85-B60248FB9BF2}" type="slidenum">
               <a:rPr lang="zh-CN" altLang="en-US" smtClean="0"/>
+              <a:pPr/>
+              <a:t>‹#›</a:t>
             </a:fld>
             <a:endParaRPr lang="zh-CN" altLang="en-US"/>
           </a:p>
@@ -4211,7 +4259,7 @@
 </file>
 
 <file path=ppt/slideLayouts/slideLayout7.xml><?xml version="1.0" encoding="utf-8"?>
-<p:sldLayout xmlns:a="http://schemas.openxmlformats.org/drawingml/2006/main" xmlns:r="http://schemas.openxmlformats.org/officeDocument/2006/relationships" xmlns:p="http://schemas.openxmlformats.org/presentationml/2006/main" type="blank" preserve="1" showMasterSp="0">
+<p:sldLayout xmlns:a="http://schemas.openxmlformats.org/drawingml/2006/main" xmlns:r="http://schemas.openxmlformats.org/officeDocument/2006/relationships" xmlns:p="http://schemas.openxmlformats.org/presentationml/2006/main" showMasterSp="0" type="blank" preserve="1">
   <p:cSld name="空白">
     <p:spTree>
       <p:nvGrpSpPr>
@@ -4252,6 +4300,8 @@
           <a:p>
             <a:fld id="{1C20F355-3BEC-4685-9A5F-143FF989231D}" type="datetimeFigureOut">
               <a:rPr lang="zh-CN" altLang="en-US" smtClean="0"/>
+              <a:pPr/>
+              <a:t>2017/6/16</a:t>
             </a:fld>
             <a:endParaRPr lang="zh-CN" altLang="en-US"/>
           </a:p>
@@ -4301,6 +4351,8 @@
           <a:p>
             <a:fld id="{1560C19B-5D28-4838-8C85-B60248FB9BF2}" type="slidenum">
               <a:rPr lang="zh-CN" altLang="en-US" smtClean="0"/>
+              <a:pPr/>
+              <a:t>‹#›</a:t>
             </a:fld>
             <a:endParaRPr lang="zh-CN" altLang="en-US"/>
           </a:p>
@@ -4315,7 +4367,7 @@
 </file>
 
 <file path=ppt/slideLayouts/slideLayout8.xml><?xml version="1.0" encoding="utf-8"?>
-<p:sldLayout xmlns:a="http://schemas.openxmlformats.org/drawingml/2006/main" xmlns:r="http://schemas.openxmlformats.org/officeDocument/2006/relationships" xmlns:p="http://schemas.openxmlformats.org/presentationml/2006/main" type="objTx" preserve="1" showMasterSp="0">
+<p:sldLayout xmlns:a="http://schemas.openxmlformats.org/drawingml/2006/main" xmlns:r="http://schemas.openxmlformats.org/officeDocument/2006/relationships" xmlns:p="http://schemas.openxmlformats.org/presentationml/2006/main" showMasterSp="0" type="objTx" preserve="1">
   <p:cSld name="内容与标题">
     <p:spTree>
       <p:nvGrpSpPr>
@@ -4421,7 +4473,6 @@
               <a:rPr lang="zh-CN" altLang="en-US" smtClean="0"/>
               <a:t>单击此处编辑母版文本样式</a:t>
             </a:r>
-            <a:endParaRPr lang="zh-CN" altLang="en-US" smtClean="0"/>
           </a:p>
           <a:p>
             <a:pPr lvl="1"/>
@@ -4429,7 +4480,6 @@
               <a:rPr lang="zh-CN" altLang="en-US" smtClean="0"/>
               <a:t>第二级</a:t>
             </a:r>
-            <a:endParaRPr lang="zh-CN" altLang="en-US" smtClean="0"/>
           </a:p>
         </p:txBody>
       </p:sp>
@@ -4498,7 +4548,6 @@
               <a:rPr lang="zh-CN" altLang="en-US" smtClean="0"/>
               <a:t>单击此处编辑母版文本样式</a:t>
             </a:r>
-            <a:endParaRPr lang="zh-CN" altLang="en-US" smtClean="0"/>
           </a:p>
         </p:txBody>
       </p:sp>
@@ -4527,6 +4576,8 @@
           <a:p>
             <a:fld id="{1C20F355-3BEC-4685-9A5F-143FF989231D}" type="datetimeFigureOut">
               <a:rPr lang="zh-CN" altLang="en-US" smtClean="0"/>
+              <a:pPr/>
+              <a:t>2017/6/16</a:t>
             </a:fld>
             <a:endParaRPr lang="zh-CN" altLang="en-US"/>
           </a:p>
@@ -4576,6 +4627,8 @@
           <a:p>
             <a:fld id="{1560C19B-5D28-4838-8C85-B60248FB9BF2}" type="slidenum">
               <a:rPr lang="zh-CN" altLang="en-US" smtClean="0"/>
+              <a:pPr/>
+              <a:t>‹#›</a:t>
             </a:fld>
             <a:endParaRPr lang="zh-CN" altLang="en-US"/>
           </a:p>
@@ -4590,7 +4643,7 @@
 </file>
 
 <file path=ppt/slideLayouts/slideLayout9.xml><?xml version="1.0" encoding="utf-8"?>
-<p:sldLayout xmlns:a="http://schemas.openxmlformats.org/drawingml/2006/main" xmlns:r="http://schemas.openxmlformats.org/officeDocument/2006/relationships" xmlns:p="http://schemas.openxmlformats.org/presentationml/2006/main" type="picTx" preserve="1" showMasterSp="0">
+<p:sldLayout xmlns:a="http://schemas.openxmlformats.org/drawingml/2006/main" xmlns:r="http://schemas.openxmlformats.org/officeDocument/2006/relationships" xmlns:p="http://schemas.openxmlformats.org/presentationml/2006/main" showMasterSp="0" type="picTx" preserve="1">
   <p:cSld name="图片与标题">
     <p:spTree>
       <p:nvGrpSpPr>
@@ -4771,7 +4824,6 @@
               <a:rPr lang="zh-CN" altLang="en-US" smtClean="0"/>
               <a:t>单击此处编辑母版文本样式</a:t>
             </a:r>
-            <a:endParaRPr lang="zh-CN" altLang="en-US" smtClean="0"/>
           </a:p>
         </p:txBody>
       </p:sp>
@@ -4800,6 +4852,8 @@
           <a:p>
             <a:fld id="{1C20F355-3BEC-4685-9A5F-143FF989231D}" type="datetimeFigureOut">
               <a:rPr lang="zh-CN" altLang="en-US" smtClean="0"/>
+              <a:pPr/>
+              <a:t>2017/6/16</a:t>
             </a:fld>
             <a:endParaRPr lang="zh-CN" altLang="en-US"/>
           </a:p>
@@ -4849,6 +4903,8 @@
           <a:p>
             <a:fld id="{1560C19B-5D28-4838-8C85-B60248FB9BF2}" type="slidenum">
               <a:rPr lang="zh-CN" altLang="en-US" smtClean="0"/>
+              <a:pPr/>
+              <a:t>‹#›</a:t>
             </a:fld>
             <a:endParaRPr lang="zh-CN" altLang="en-US"/>
           </a:p>
@@ -5472,7 +5528,7 @@
           <p:nvPr/>
         </p:nvPicPr>
         <p:blipFill>
-          <a:blip r:embed="rId12" cstate="email"/>
+          <a:blip r:embed="rId13" cstate="email"/>
           <a:srcRect/>
           <a:stretch>
             <a:fillRect/>
@@ -5563,6 +5619,8 @@
           <a:p>
             <a:fld id="{1560C19B-5D28-4838-8C85-B60248FB9BF2}" type="slidenum">
               <a:rPr lang="zh-CN" altLang="en-US" smtClean="0"/>
+              <a:pPr/>
+              <a:t>‹#›</a:t>
             </a:fld>
             <a:endParaRPr lang="zh-CN" altLang="en-US"/>
           </a:p>
@@ -5624,7 +5682,7 @@
         <a:buSzPct val="150000"/>
         <a:buFontTx/>
         <a:buBlip>
-          <a:blip r:embed="rId13"/>
+          <a:blip r:embed="rId14"/>
         </a:buBlip>
         <a:defRPr sz="2000" kern="1200" baseline="0">
           <a:solidFill>
@@ -5899,7 +5957,7 @@
     <p:bg>
       <p:bgPr>
         <a:blipFill rotWithShape="1">
-          <a:blip r:embed="rId1"/>
+          <a:blip r:embed="rId3" cstate="print"/>
           <a:stretch>
             <a:fillRect/>
           </a:stretch>
@@ -6007,13 +6065,6 @@
               </a:rPr>
               <a:t>汽车维修保养平台</a:t>
             </a:r>
-            <a:endParaRPr lang="zh-CN" altLang="en-US" sz="7200" b="1" dirty="0" smtClean="0">
-              <a:solidFill>
-                <a:schemeClr val="bg1"/>
-              </a:solidFill>
-              <a:latin typeface="Arial" panose="020B0604020202020204" pitchFamily="34" charset="0"/>
-              <a:ea typeface="微软雅黑" panose="020B0503020204020204" pitchFamily="34" charset="-122"/>
-            </a:endParaRPr>
           </a:p>
         </p:txBody>
       </p:sp>
@@ -6121,13 +6172,6 @@
               </a:rPr>
               <a:t>创意科技</a:t>
             </a:r>
-            <a:endParaRPr lang="zh-CN" altLang="en-US" sz="4000" b="1" dirty="0" smtClean="0">
-              <a:solidFill>
-                <a:srgbClr val="188CB3"/>
-              </a:solidFill>
-              <a:latin typeface="Arial" panose="020B0604020202020204" pitchFamily="34" charset="0"/>
-              <a:ea typeface="微软雅黑" panose="020B0503020204020204" pitchFamily="34" charset="-122"/>
-            </a:endParaRPr>
           </a:p>
         </p:txBody>
       </p:sp>
@@ -6137,7 +6181,7 @@
     <a:masterClrMapping/>
   </p:clrMapOvr>
   <mc:AlternateContent xmlns:mc="http://schemas.openxmlformats.org/markup-compatibility/2006">
-    <mc:Choice xmlns:p14="http://schemas.microsoft.com/office/powerpoint/2010/main" Requires="p14">
+    <mc:Choice xmlns:p14="http://schemas.microsoft.com/office/powerpoint/2010/main" xmlns="" Requires="p14">
       <p:transition spd="slow" p14:dur="1500" advClick="0" advTm="0">
         <p:random/>
       </p:transition>
@@ -6266,8 +6310,8 @@
       </p:par>
     </p:tnLst>
     <p:bldLst>
+      <p:bldP spid="9" grpId="0"/>
       <p:bldP spid="2" grpId="0"/>
-      <p:bldP spid="9" grpId="0"/>
     </p:bldLst>
   </p:timing>
 </p:sld>
@@ -6329,15 +6373,6 @@
               </a:rPr>
               <a:t>团队成员</a:t>
             </a:r>
-            <a:endParaRPr lang="zh-CN" altLang="en-US" sz="2000" b="1" dirty="0" smtClean="0">
-              <a:solidFill>
-                <a:schemeClr val="accent5">
-                  <a:lumMod val="75000"/>
-                </a:schemeClr>
-              </a:solidFill>
-              <a:latin typeface="Arial" panose="020B0604020202020204" pitchFamily="34" charset="0"/>
-              <a:ea typeface="微软雅黑" panose="020B0503020204020204" pitchFamily="34" charset="-122"/>
-            </a:endParaRPr>
           </a:p>
         </p:txBody>
       </p:sp>
@@ -6361,14 +6396,14 @@
           </a:ln>
           <a:extLst>
             <a:ext uri="{909E8E84-426E-40DD-AFC4-6F175D3DCCD1}">
-              <a14:hiddenFill xmlns:a14="http://schemas.microsoft.com/office/drawing/2010/main">
+              <a14:hiddenFill xmlns:a14="http://schemas.microsoft.com/office/drawing/2010/main" xmlns="">
                 <a:solidFill>
                   <a:srgbClr val="FFFFFF"/>
                 </a:solidFill>
               </a14:hiddenFill>
             </a:ext>
             <a:ext uri="{91240B29-F687-4F45-9708-019B960494DF}">
-              <a14:hiddenLine xmlns:a14="http://schemas.microsoft.com/office/drawing/2010/main" w="12700">
+              <a14:hiddenLine xmlns:a14="http://schemas.microsoft.com/office/drawing/2010/main" xmlns="" w="12700">
                 <a:solidFill>
                   <a:schemeClr val="tx1"/>
                 </a:solidFill>
@@ -6518,18 +6553,6 @@
               </a:rPr>
               <a:t>供应商管理模块</a:t>
             </a:r>
-            <a:endParaRPr lang="zh-CN" altLang="en-US" sz="1100" b="1" dirty="0" smtClean="0">
-              <a:solidFill>
-                <a:schemeClr val="tx1">
-                  <a:lumMod val="75000"/>
-                  <a:lumOff val="25000"/>
-                </a:schemeClr>
-              </a:solidFill>
-              <a:latin typeface="微软雅黑" panose="020B0503020204020204" pitchFamily="34" charset="-122"/>
-              <a:ea typeface="微软雅黑" panose="020B0503020204020204" pitchFamily="34" charset="-122"/>
-              <a:cs typeface="Lato Light" charset="0"/>
-              <a:sym typeface="Lato Light" charset="0"/>
-            </a:endParaRPr>
           </a:p>
         </p:txBody>
       </p:sp>
@@ -6553,14 +6576,14 @@
           </a:ln>
           <a:extLst>
             <a:ext uri="{909E8E84-426E-40DD-AFC4-6F175D3DCCD1}">
-              <a14:hiddenFill xmlns:a14="http://schemas.microsoft.com/office/drawing/2010/main">
+              <a14:hiddenFill xmlns:a14="http://schemas.microsoft.com/office/drawing/2010/main" xmlns="">
                 <a:solidFill>
                   <a:srgbClr val="FFFFFF"/>
                 </a:solidFill>
               </a14:hiddenFill>
             </a:ext>
             <a:ext uri="{91240B29-F687-4F45-9708-019B960494DF}">
-              <a14:hiddenLine xmlns:a14="http://schemas.microsoft.com/office/drawing/2010/main" w="12700">
+              <a14:hiddenLine xmlns:a14="http://schemas.microsoft.com/office/drawing/2010/main" xmlns="" w="12700">
                 <a:solidFill>
                   <a:schemeClr val="tx1"/>
                 </a:solidFill>
@@ -6710,18 +6733,6 @@
               </a:rPr>
               <a:t>基础信息管理模块</a:t>
             </a:r>
-            <a:endParaRPr lang="zh-CN" altLang="en-US" sz="1100" b="1" dirty="0" smtClean="0">
-              <a:solidFill>
-                <a:schemeClr val="tx1">
-                  <a:lumMod val="75000"/>
-                  <a:lumOff val="25000"/>
-                </a:schemeClr>
-              </a:solidFill>
-              <a:latin typeface="微软雅黑" panose="020B0503020204020204" pitchFamily="34" charset="-122"/>
-              <a:ea typeface="微软雅黑" panose="020B0503020204020204" pitchFamily="34" charset="-122"/>
-              <a:cs typeface="Lato Light" charset="0"/>
-              <a:sym typeface="Lato Light" charset="0"/>
-            </a:endParaRPr>
           </a:p>
         </p:txBody>
       </p:sp>
@@ -6745,14 +6756,14 @@
           </a:ln>
           <a:extLst>
             <a:ext uri="{909E8E84-426E-40DD-AFC4-6F175D3DCCD1}">
-              <a14:hiddenFill xmlns:a14="http://schemas.microsoft.com/office/drawing/2010/main">
+              <a14:hiddenFill xmlns:a14="http://schemas.microsoft.com/office/drawing/2010/main" xmlns="">
                 <a:solidFill>
                   <a:srgbClr val="FFFFFF"/>
                 </a:solidFill>
               </a14:hiddenFill>
             </a:ext>
             <a:ext uri="{91240B29-F687-4F45-9708-019B960494DF}">
-              <a14:hiddenLine xmlns:a14="http://schemas.microsoft.com/office/drawing/2010/main" w="12700">
+              <a14:hiddenLine xmlns:a14="http://schemas.microsoft.com/office/drawing/2010/main" xmlns="" w="12700">
                 <a:solidFill>
                   <a:schemeClr val="tx1"/>
                 </a:solidFill>
@@ -6932,18 +6943,6 @@
               </a:rPr>
               <a:t>领料管理模块</a:t>
             </a:r>
-            <a:endParaRPr lang="zh-CN" altLang="en-US" sz="1100" b="1" dirty="0" smtClean="0">
-              <a:solidFill>
-                <a:schemeClr val="tx1">
-                  <a:lumMod val="75000"/>
-                  <a:lumOff val="25000"/>
-                </a:schemeClr>
-              </a:solidFill>
-              <a:latin typeface="微软雅黑" panose="020B0503020204020204" pitchFamily="34" charset="-122"/>
-              <a:ea typeface="微软雅黑" panose="020B0503020204020204" pitchFamily="34" charset="-122"/>
-              <a:cs typeface="Lato Light" charset="0"/>
-              <a:sym typeface="Lato Light" charset="0"/>
-            </a:endParaRPr>
           </a:p>
         </p:txBody>
       </p:sp>
@@ -6967,14 +6966,14 @@
           </a:ln>
           <a:extLst>
             <a:ext uri="{909E8E84-426E-40DD-AFC4-6F175D3DCCD1}">
-              <a14:hiddenFill xmlns:a14="http://schemas.microsoft.com/office/drawing/2010/main">
+              <a14:hiddenFill xmlns:a14="http://schemas.microsoft.com/office/drawing/2010/main" xmlns="">
                 <a:solidFill>
                   <a:srgbClr val="FFFFFF"/>
                 </a:solidFill>
               </a14:hiddenFill>
             </a:ext>
             <a:ext uri="{91240B29-F687-4F45-9708-019B960494DF}">
-              <a14:hiddenLine xmlns:a14="http://schemas.microsoft.com/office/drawing/2010/main" w="12700">
+              <a14:hiddenLine xmlns:a14="http://schemas.microsoft.com/office/drawing/2010/main" xmlns="" w="12700">
                 <a:solidFill>
                   <a:schemeClr val="tx1"/>
                 </a:solidFill>
@@ -7139,18 +7138,6 @@
               </a:rPr>
               <a:t>模块</a:t>
             </a:r>
-            <a:endParaRPr lang="zh-CN" altLang="en-US" sz="1100" dirty="0" smtClean="0">
-              <a:solidFill>
-                <a:schemeClr val="tx1">
-                  <a:lumMod val="75000"/>
-                  <a:lumOff val="25000"/>
-                </a:schemeClr>
-              </a:solidFill>
-              <a:latin typeface="微软雅黑" panose="020B0503020204020204" pitchFamily="34" charset="-122"/>
-              <a:ea typeface="微软雅黑" panose="020B0503020204020204" pitchFamily="34" charset="-122"/>
-              <a:cs typeface="Lato Light" charset="0"/>
-              <a:sym typeface="Lato Light" charset="0"/>
-            </a:endParaRPr>
           </a:p>
         </p:txBody>
       </p:sp>
@@ -7174,14 +7161,14 @@
           </a:ln>
           <a:extLst>
             <a:ext uri="{909E8E84-426E-40DD-AFC4-6F175D3DCCD1}">
-              <a14:hiddenFill xmlns:a14="http://schemas.microsoft.com/office/drawing/2010/main">
+              <a14:hiddenFill xmlns:a14="http://schemas.microsoft.com/office/drawing/2010/main" xmlns="">
                 <a:solidFill>
                   <a:srgbClr val="FFFFFF"/>
                 </a:solidFill>
               </a14:hiddenFill>
             </a:ext>
             <a:ext uri="{91240B29-F687-4F45-9708-019B960494DF}">
-              <a14:hiddenLine xmlns:a14="http://schemas.microsoft.com/office/drawing/2010/main" w="12700">
+              <a14:hiddenLine xmlns:a14="http://schemas.microsoft.com/office/drawing/2010/main" xmlns="" w="12700">
                 <a:solidFill>
                   <a:schemeClr val="tx1"/>
                 </a:solidFill>
@@ -7361,18 +7348,6 @@
               </a:rPr>
               <a:t>前台页面的显示</a:t>
             </a:r>
-            <a:endParaRPr lang="zh-CN" altLang="en-US" sz="1100" b="1" dirty="0" smtClean="0">
-              <a:solidFill>
-                <a:schemeClr val="tx1">
-                  <a:lumMod val="75000"/>
-                  <a:lumOff val="25000"/>
-                </a:schemeClr>
-              </a:solidFill>
-              <a:latin typeface="微软雅黑" panose="020B0503020204020204" pitchFamily="34" charset="-122"/>
-              <a:ea typeface="微软雅黑" panose="020B0503020204020204" pitchFamily="34" charset="-122"/>
-              <a:cs typeface="Lato Light" charset="0"/>
-              <a:sym typeface="Lato Light" charset="0"/>
-            </a:endParaRPr>
           </a:p>
         </p:txBody>
       </p:sp>
@@ -7396,14 +7371,14 @@
           </a:ln>
           <a:extLst>
             <a:ext uri="{909E8E84-426E-40DD-AFC4-6F175D3DCCD1}">
-              <a14:hiddenFill xmlns:a14="http://schemas.microsoft.com/office/drawing/2010/main">
+              <a14:hiddenFill xmlns:a14="http://schemas.microsoft.com/office/drawing/2010/main" xmlns="">
                 <a:solidFill>
                   <a:srgbClr val="FFFFFF"/>
                 </a:solidFill>
               </a14:hiddenFill>
             </a:ext>
             <a:ext uri="{91240B29-F687-4F45-9708-019B960494DF}">
-              <a14:hiddenLine xmlns:a14="http://schemas.microsoft.com/office/drawing/2010/main" w="12700">
+              <a14:hiddenLine xmlns:a14="http://schemas.microsoft.com/office/drawing/2010/main" xmlns="" w="12700">
                 <a:solidFill>
                   <a:schemeClr val="tx1"/>
                 </a:solidFill>
@@ -7553,18 +7528,6 @@
               </a:rPr>
               <a:t>项目配件管理模块</a:t>
             </a:r>
-            <a:endParaRPr lang="zh-CN" altLang="en-US" sz="1100" b="1" dirty="0" smtClean="0">
-              <a:solidFill>
-                <a:schemeClr val="tx1">
-                  <a:lumMod val="75000"/>
-                  <a:lumOff val="25000"/>
-                </a:schemeClr>
-              </a:solidFill>
-              <a:latin typeface="微软雅黑" panose="020B0503020204020204" pitchFamily="34" charset="-122"/>
-              <a:ea typeface="微软雅黑" panose="020B0503020204020204" pitchFamily="34" charset="-122"/>
-              <a:cs typeface="Lato Light" charset="0"/>
-              <a:sym typeface="Lato Light" charset="0"/>
-            </a:endParaRPr>
           </a:p>
         </p:txBody>
       </p:sp>
@@ -7618,14 +7581,14 @@
           </a:ln>
           <a:extLst>
             <a:ext uri="{909E8E84-426E-40DD-AFC4-6F175D3DCCD1}">
-              <a14:hiddenFill xmlns:a14="http://schemas.microsoft.com/office/drawing/2010/main">
+              <a14:hiddenFill xmlns:a14="http://schemas.microsoft.com/office/drawing/2010/main" xmlns="">
                 <a:solidFill>
                   <a:srgbClr val="FFFFFF"/>
                 </a:solidFill>
               </a14:hiddenFill>
             </a:ext>
             <a:ext uri="{91240B29-F687-4F45-9708-019B960494DF}">
-              <a14:hiddenLine xmlns:a14="http://schemas.microsoft.com/office/drawing/2010/main" w="12700">
+              <a14:hiddenLine xmlns:a14="http://schemas.microsoft.com/office/drawing/2010/main" xmlns="" w="12700">
                 <a:solidFill>
                   <a:schemeClr val="tx1"/>
                 </a:solidFill>
@@ -7775,18 +7738,6 @@
               </a:rPr>
               <a:t>配件管理模块</a:t>
             </a:r>
-            <a:endParaRPr lang="zh-CN" altLang="en-US" sz="1100" b="1" dirty="0" smtClean="0">
-              <a:solidFill>
-                <a:schemeClr val="tx1">
-                  <a:lumMod val="75000"/>
-                  <a:lumOff val="25000"/>
-                </a:schemeClr>
-              </a:solidFill>
-              <a:latin typeface="微软雅黑" panose="020B0503020204020204" pitchFamily="34" charset="-122"/>
-              <a:ea typeface="微软雅黑" panose="020B0503020204020204" pitchFamily="34" charset="-122"/>
-              <a:cs typeface="Lato Light" charset="0"/>
-              <a:sym typeface="Lato Light" charset="0"/>
-            </a:endParaRPr>
           </a:p>
         </p:txBody>
       </p:sp>
@@ -7810,14 +7761,14 @@
           </a:ln>
           <a:extLst>
             <a:ext uri="{909E8E84-426E-40DD-AFC4-6F175D3DCCD1}">
-              <a14:hiddenFill xmlns:a14="http://schemas.microsoft.com/office/drawing/2010/main">
+              <a14:hiddenFill xmlns:a14="http://schemas.microsoft.com/office/drawing/2010/main" xmlns="">
                 <a:solidFill>
                   <a:srgbClr val="FFFFFF"/>
                 </a:solidFill>
               </a14:hiddenFill>
             </a:ext>
             <a:ext uri="{91240B29-F687-4F45-9708-019B960494DF}">
-              <a14:hiddenLine xmlns:a14="http://schemas.microsoft.com/office/drawing/2010/main" w="12700">
+              <a14:hiddenLine xmlns:a14="http://schemas.microsoft.com/office/drawing/2010/main" xmlns="" w="12700">
                 <a:solidFill>
                   <a:schemeClr val="tx1"/>
                 </a:solidFill>
@@ -7982,18 +7933,6 @@
               </a:rPr>
               <a:t>模块</a:t>
             </a:r>
-            <a:endParaRPr lang="zh-CN" altLang="en-US" sz="1100" dirty="0" smtClean="0">
-              <a:solidFill>
-                <a:schemeClr val="tx1">
-                  <a:lumMod val="75000"/>
-                  <a:lumOff val="25000"/>
-                </a:schemeClr>
-              </a:solidFill>
-              <a:latin typeface="微软雅黑" panose="020B0503020204020204" pitchFamily="34" charset="-122"/>
-              <a:ea typeface="微软雅黑" panose="020B0503020204020204" pitchFamily="34" charset="-122"/>
-              <a:cs typeface="Lato Light" charset="0"/>
-              <a:sym typeface="Lato Light" charset="0"/>
-            </a:endParaRPr>
           </a:p>
         </p:txBody>
       </p:sp>
@@ -8003,7 +7942,7 @@
     <a:masterClrMapping/>
   </p:clrMapOvr>
   <mc:AlternateContent xmlns:mc="http://schemas.openxmlformats.org/markup-compatibility/2006">
-    <mc:Choice xmlns:p14="http://schemas.microsoft.com/office/powerpoint/2010/main" Requires="p14">
+    <mc:Choice xmlns:p14="http://schemas.microsoft.com/office/powerpoint/2010/main" xmlns="" Requires="p14">
       <p:transition spd="slow" p14:dur="1500" advClick="0" advTm="0">
         <p:random/>
       </p:transition>
@@ -8531,15 +8470,6 @@
               </a:rPr>
               <a:t>单击此处添加标题</a:t>
             </a:r>
-            <a:endParaRPr lang="zh-CN" altLang="en-US" sz="2000" b="1" dirty="0" smtClean="0">
-              <a:solidFill>
-                <a:schemeClr val="accent5">
-                  <a:lumMod val="75000"/>
-                </a:schemeClr>
-              </a:solidFill>
-              <a:latin typeface="Arial" panose="020B0604020202020204" pitchFamily="34" charset="0"/>
-              <a:ea typeface="微软雅黑" panose="020B0503020204020204" pitchFamily="34" charset="-122"/>
-            </a:endParaRPr>
           </a:p>
         </p:txBody>
       </p:sp>
@@ -8552,7 +8482,7 @@
           <p:nvPr/>
         </p:nvPicPr>
         <p:blipFill>
-          <a:blip r:embed="rId1" cstate="print"/>
+          <a:blip r:embed="rId3" cstate="print"/>
           <a:srcRect/>
           <a:stretch>
             <a:fillRect/>
@@ -8569,7 +8499,7 @@
           <a:noFill/>
           <a:extLst>
             <a:ext uri="{909E8E84-426E-40DD-AFC4-6F175D3DCCD1}">
-              <a14:hiddenFill xmlns:a14="http://schemas.microsoft.com/office/drawing/2010/main">
+              <a14:hiddenFill xmlns:a14="http://schemas.microsoft.com/office/drawing/2010/main" xmlns="">
                 <a:solidFill>
                   <a:srgbClr val="FFFFFF"/>
                 </a:solidFill>
@@ -8760,13 +8690,6 @@
               </a:rPr>
               <a:t>项目特点</a:t>
             </a:r>
-            <a:endParaRPr lang="zh-CN" altLang="en-US" sz="4400" b="1" dirty="0" smtClean="0">
-              <a:solidFill>
-                <a:schemeClr val="bg1"/>
-              </a:solidFill>
-              <a:latin typeface="+mj-ea"/>
-              <a:ea typeface="+mj-ea"/>
-            </a:endParaRPr>
           </a:p>
         </p:txBody>
       </p:sp>
@@ -8806,7 +8729,7 @@
     <a:masterClrMapping/>
   </p:clrMapOvr>
   <mc:AlternateContent xmlns:mc="http://schemas.openxmlformats.org/markup-compatibility/2006">
-    <mc:Choice xmlns:p14="http://schemas.microsoft.com/office/powerpoint/2010/main" Requires="p14">
+    <mc:Choice xmlns:p14="http://schemas.microsoft.com/office/powerpoint/2010/main" xmlns="" Requires="p14">
       <p:transition spd="slow" p14:dur="1500" advClick="0" advTm="0">
         <p:random/>
       </p:transition>
@@ -9368,15 +9291,6 @@
               </a:rPr>
               <a:t>项目的三大特点</a:t>
             </a:r>
-            <a:endParaRPr lang="zh-CN" altLang="en-US" sz="2000" b="1" dirty="0" smtClean="0">
-              <a:solidFill>
-                <a:schemeClr val="accent5">
-                  <a:lumMod val="75000"/>
-                </a:schemeClr>
-              </a:solidFill>
-              <a:latin typeface="Arial" panose="020B0604020202020204" pitchFamily="34" charset="0"/>
-              <a:ea typeface="微软雅黑" panose="020B0503020204020204" pitchFamily="34" charset="-122"/>
-            </a:endParaRPr>
           </a:p>
         </p:txBody>
       </p:sp>
@@ -9412,7 +9326,7 @@
           <p:sp>
             <p:nvSpPr>
               <p:cNvPr id="7" name="椭圆形标注 6">
-                <a:hlinkClick r:id="rId1"/>
+                <a:hlinkClick r:id="rId3"/>
               </p:cNvPr>
               <p:cNvSpPr/>
               <p:nvPr/>
@@ -9520,7 +9434,7 @@
         <p:sp>
           <p:nvSpPr>
             <p:cNvPr id="6" name="Text Box 11">
-              <a:hlinkClick r:id="rId1"/>
+              <a:hlinkClick r:id="rId3"/>
             </p:cNvPr>
             <p:cNvSpPr txBox="1">
               <a:spLocks noChangeArrowheads="1"/>
@@ -9648,7 +9562,7 @@
           <p:sp>
             <p:nvSpPr>
               <p:cNvPr id="12" name="椭圆形标注 11">
-                <a:hlinkClick r:id="rId1"/>
+                <a:hlinkClick r:id="rId3"/>
               </p:cNvPr>
               <p:cNvSpPr/>
               <p:nvPr/>
@@ -9704,7 +9618,7 @@
           <p:sp>
             <p:nvSpPr>
               <p:cNvPr id="13" name="矩形 12">
-                <a:hlinkClick r:id="rId1"/>
+                <a:hlinkClick r:id="rId3"/>
               </p:cNvPr>
               <p:cNvSpPr/>
               <p:nvPr/>
@@ -9756,7 +9670,7 @@
         <p:sp>
           <p:nvSpPr>
             <p:cNvPr id="11" name="矩形 18">
-              <a:hlinkClick r:id="rId1"/>
+              <a:hlinkClick r:id="rId3"/>
             </p:cNvPr>
             <p:cNvSpPr>
               <a:spLocks noChangeArrowheads="1"/>
@@ -9872,7 +9786,7 @@
           <p:sp>
             <p:nvSpPr>
               <p:cNvPr id="17" name="椭圆形标注 16">
-                <a:hlinkClick r:id="rId1"/>
+                <a:hlinkClick r:id="rId3"/>
               </p:cNvPr>
               <p:cNvSpPr/>
               <p:nvPr/>
@@ -9930,7 +9844,7 @@
           <p:sp>
             <p:nvSpPr>
               <p:cNvPr id="18" name="矩形 17">
-                <a:hlinkClick r:id="rId1"/>
+                <a:hlinkClick r:id="rId3"/>
               </p:cNvPr>
               <p:cNvSpPr/>
               <p:nvPr/>
@@ -9982,7 +9896,7 @@
         <p:sp>
           <p:nvSpPr>
             <p:cNvPr id="16" name="Text Box 11">
-              <a:hlinkClick r:id="rId1"/>
+              <a:hlinkClick r:id="rId3"/>
             </p:cNvPr>
             <p:cNvSpPr txBox="1">
               <a:spLocks noChangeArrowheads="1"/>
@@ -10218,7 +10132,7 @@
     <a:masterClrMapping/>
   </p:clrMapOvr>
   <mc:AlternateContent xmlns:mc="http://schemas.openxmlformats.org/markup-compatibility/2006">
-    <mc:Choice xmlns:p14="http://schemas.microsoft.com/office/powerpoint/2010/main" Requires="p14">
+    <mc:Choice xmlns:p14="http://schemas.microsoft.com/office/powerpoint/2010/main" xmlns="" Requires="p14">
       <p:transition spd="slow" p14:dur="1500" advClick="0" advTm="0">
         <p:random/>
       </p:transition>
@@ -10869,15 +10783,6 @@
               </a:rPr>
               <a:t>项目人性化设计</a:t>
             </a:r>
-            <a:endParaRPr lang="zh-CN" altLang="en-US" sz="2000" b="1" dirty="0" smtClean="0">
-              <a:solidFill>
-                <a:schemeClr val="accent5">
-                  <a:lumMod val="75000"/>
-                </a:schemeClr>
-              </a:solidFill>
-              <a:latin typeface="Arial" panose="020B0604020202020204" pitchFamily="34" charset="0"/>
-              <a:ea typeface="微软雅黑" panose="020B0503020204020204" pitchFamily="34" charset="-122"/>
-            </a:endParaRPr>
           </a:p>
         </p:txBody>
       </p:sp>
@@ -11230,7 +11135,7 @@
             <p:nvPr/>
           </p:nvPicPr>
           <p:blipFill>
-            <a:blip r:embed="rId1" cstate="email"/>
+            <a:blip r:embed="rId3" cstate="email"/>
             <a:srcRect/>
             <a:stretch>
               <a:fillRect/>
@@ -11515,7 +11420,7 @@
             <p:nvPr/>
           </p:nvPicPr>
           <p:blipFill>
-            <a:blip r:embed="rId2" cstate="email"/>
+            <a:blip r:embed="rId4" cstate="email"/>
             <a:srcRect/>
             <a:stretch>
               <a:fillRect/>
@@ -11796,7 +11701,7 @@
             <p:nvPr/>
           </p:nvPicPr>
           <p:blipFill>
-            <a:blip r:embed="rId3" cstate="email"/>
+            <a:blip r:embed="rId5" cstate="email"/>
             <a:srcRect/>
             <a:stretch>
               <a:fillRect/>
@@ -12077,7 +11982,7 @@
             <p:nvPr/>
           </p:nvPicPr>
           <p:blipFill>
-            <a:blip r:embed="rId4" cstate="email"/>
+            <a:blip r:embed="rId6" cstate="email"/>
             <a:srcRect/>
             <a:stretch>
               <a:fillRect/>
@@ -12530,7 +12435,7 @@
     <a:masterClrMapping/>
   </p:clrMapOvr>
   <mc:AlternateContent xmlns:mc="http://schemas.openxmlformats.org/markup-compatibility/2006">
-    <mc:Choice xmlns:p14="http://schemas.microsoft.com/office/powerpoint/2010/main" Requires="p14">
+    <mc:Choice xmlns:p14="http://schemas.microsoft.com/office/powerpoint/2010/main" xmlns="" Requires="p14">
       <p:transition spd="slow" p14:dur="1500" advClick="0" advTm="0">
         <p:random/>
       </p:transition>
@@ -12542,7 +12447,7 @@
     </mc:Fallback>
   </mc:AlternateContent>
   <mc:AlternateContent xmlns:mc="http://schemas.openxmlformats.org/markup-compatibility/2006">
-    <mc:Choice xmlns:p14="http://schemas.microsoft.com/office/powerpoint/2010/main" Requires="p14">
+    <mc:Choice xmlns:p14="http://schemas.microsoft.com/office/powerpoint/2010/main" xmlns="" Requires="p14">
       <p:timing>
         <p:tnLst>
           <p:par>
@@ -14006,15 +13911,6 @@
               </a:rPr>
               <a:t>项目流程</a:t>
             </a:r>
-            <a:endParaRPr lang="zh-CN" altLang="en-US" sz="2000" b="1" dirty="0" smtClean="0">
-              <a:solidFill>
-                <a:schemeClr val="accent5">
-                  <a:lumMod val="75000"/>
-                </a:schemeClr>
-              </a:solidFill>
-              <a:latin typeface="Arial" panose="020B0604020202020204" pitchFamily="34" charset="0"/>
-              <a:ea typeface="微软雅黑" panose="020B0503020204020204" pitchFamily="34" charset="-122"/>
-            </a:endParaRPr>
           </a:p>
         </p:txBody>
       </p:sp>
@@ -14114,7 +14010,7 @@
               </a:ln>
               <a:extLst>
                 <a:ext uri="{91240B29-F687-4F45-9708-019B960494DF}">
-                  <a14:hiddenLine xmlns:a14="http://schemas.microsoft.com/office/drawing/2010/main" w="9525">
+                  <a14:hiddenLine xmlns:a14="http://schemas.microsoft.com/office/drawing/2010/main" xmlns="" w="9525">
                     <a:solidFill>
                       <a:srgbClr val="000000"/>
                     </a:solidFill>
@@ -14200,14 +14096,14 @@
             </a:ln>
             <a:extLst>
               <a:ext uri="{909E8E84-426E-40DD-AFC4-6F175D3DCCD1}">
-                <a14:hiddenFill xmlns:a14="http://schemas.microsoft.com/office/drawing/2010/main">
+                <a14:hiddenFill xmlns:a14="http://schemas.microsoft.com/office/drawing/2010/main" xmlns="">
                   <a:solidFill>
                     <a:srgbClr val="FFFFFF"/>
                   </a:solidFill>
                 </a14:hiddenFill>
               </a:ext>
               <a:ext uri="{91240B29-F687-4F45-9708-019B960494DF}">
-                <a14:hiddenLine xmlns:a14="http://schemas.microsoft.com/office/drawing/2010/main" w="9525">
+                <a14:hiddenLine xmlns:a14="http://schemas.microsoft.com/office/drawing/2010/main" xmlns="" w="9525">
                   <a:solidFill>
                     <a:srgbClr val="000000"/>
                   </a:solidFill>
@@ -14403,7 +14299,7 @@
               </a:ln>
               <a:extLst>
                 <a:ext uri="{91240B29-F687-4F45-9708-019B960494DF}">
-                  <a14:hiddenLine xmlns:a14="http://schemas.microsoft.com/office/drawing/2010/main" w="9525">
+                  <a14:hiddenLine xmlns:a14="http://schemas.microsoft.com/office/drawing/2010/main" xmlns="" w="9525">
                     <a:solidFill>
                       <a:srgbClr val="000000"/>
                     </a:solidFill>
@@ -14494,14 +14390,14 @@
             </a:ln>
             <a:extLst>
               <a:ext uri="{909E8E84-426E-40DD-AFC4-6F175D3DCCD1}">
-                <a14:hiddenFill xmlns:a14="http://schemas.microsoft.com/office/drawing/2010/main">
+                <a14:hiddenFill xmlns:a14="http://schemas.microsoft.com/office/drawing/2010/main" xmlns="">
                   <a:solidFill>
                     <a:srgbClr val="FFFFFF"/>
                   </a:solidFill>
                 </a14:hiddenFill>
               </a:ext>
               <a:ext uri="{91240B29-F687-4F45-9708-019B960494DF}">
-                <a14:hiddenLine xmlns:a14="http://schemas.microsoft.com/office/drawing/2010/main" w="9525">
+                <a14:hiddenLine xmlns:a14="http://schemas.microsoft.com/office/drawing/2010/main" xmlns="" w="9525">
                   <a:solidFill>
                     <a:srgbClr val="000000"/>
                   </a:solidFill>
@@ -14696,7 +14592,7 @@
               </a:ln>
               <a:extLst>
                 <a:ext uri="{91240B29-F687-4F45-9708-019B960494DF}">
-                  <a14:hiddenLine xmlns:a14="http://schemas.microsoft.com/office/drawing/2010/main" w="9525">
+                  <a14:hiddenLine xmlns:a14="http://schemas.microsoft.com/office/drawing/2010/main" xmlns="" w="9525">
                     <a:solidFill>
                       <a:srgbClr val="000000"/>
                     </a:solidFill>
@@ -14785,14 +14681,14 @@
             </a:ln>
             <a:extLst>
               <a:ext uri="{909E8E84-426E-40DD-AFC4-6F175D3DCCD1}">
-                <a14:hiddenFill xmlns:a14="http://schemas.microsoft.com/office/drawing/2010/main">
+                <a14:hiddenFill xmlns:a14="http://schemas.microsoft.com/office/drawing/2010/main" xmlns="">
                   <a:solidFill>
                     <a:srgbClr val="FFFFFF"/>
                   </a:solidFill>
                 </a14:hiddenFill>
               </a:ext>
               <a:ext uri="{91240B29-F687-4F45-9708-019B960494DF}">
-                <a14:hiddenLine xmlns:a14="http://schemas.microsoft.com/office/drawing/2010/main" w="9525">
+                <a14:hiddenLine xmlns:a14="http://schemas.microsoft.com/office/drawing/2010/main" xmlns="" w="9525">
                   <a:solidFill>
                     <a:srgbClr val="000000"/>
                   </a:solidFill>
@@ -14988,7 +14884,7 @@
               </a:ln>
               <a:extLst>
                 <a:ext uri="{91240B29-F687-4F45-9708-019B960494DF}">
-                  <a14:hiddenLine xmlns:a14="http://schemas.microsoft.com/office/drawing/2010/main" w="9525">
+                  <a14:hiddenLine xmlns:a14="http://schemas.microsoft.com/office/drawing/2010/main" xmlns="" w="9525">
                     <a:solidFill>
                       <a:srgbClr val="000000"/>
                     </a:solidFill>
@@ -15076,14 +14972,14 @@
             </a:ln>
             <a:extLst>
               <a:ext uri="{909E8E84-426E-40DD-AFC4-6F175D3DCCD1}">
-                <a14:hiddenFill xmlns:a14="http://schemas.microsoft.com/office/drawing/2010/main">
+                <a14:hiddenFill xmlns:a14="http://schemas.microsoft.com/office/drawing/2010/main" xmlns="">
                   <a:solidFill>
                     <a:srgbClr val="FFFFFF"/>
                   </a:solidFill>
                 </a14:hiddenFill>
               </a:ext>
               <a:ext uri="{91240B29-F687-4F45-9708-019B960494DF}">
-                <a14:hiddenLine xmlns:a14="http://schemas.microsoft.com/office/drawing/2010/main" w="9525">
+                <a14:hiddenLine xmlns:a14="http://schemas.microsoft.com/office/drawing/2010/main" xmlns="" w="9525">
                   <a:solidFill>
                     <a:srgbClr val="000000"/>
                   </a:solidFill>
@@ -15388,16 +15284,6 @@
               </a:rPr>
               <a:t>车主到店后，接待人员可以进行登记录入。</a:t>
             </a:r>
-            <a:endParaRPr lang="zh-CN" altLang="en-US" sz="1630" dirty="0" smtClean="0">
-              <a:solidFill>
-                <a:schemeClr val="tx1">
-                  <a:lumMod val="85000"/>
-                  <a:lumOff val="15000"/>
-                </a:schemeClr>
-              </a:solidFill>
-              <a:latin typeface="微软雅黑" panose="020B0503020204020204" pitchFamily="34" charset="-122"/>
-              <a:ea typeface="微软雅黑" panose="020B0503020204020204" pitchFamily="34" charset="-122"/>
-            </a:endParaRPr>
           </a:p>
         </p:txBody>
       </p:sp>
@@ -15566,16 +15452,6 @@
               </a:rPr>
               <a:t>登记完后，爱车进入正式维保。</a:t>
             </a:r>
-            <a:endParaRPr lang="zh-CN" altLang="en-US" sz="1630" dirty="0" smtClean="0">
-              <a:solidFill>
-                <a:schemeClr val="tx1">
-                  <a:lumMod val="85000"/>
-                  <a:lumOff val="15000"/>
-                </a:schemeClr>
-              </a:solidFill>
-              <a:latin typeface="微软雅黑" panose="020B0503020204020204" pitchFamily="34" charset="-122"/>
-              <a:ea typeface="微软雅黑" panose="020B0503020204020204" pitchFamily="34" charset="-122"/>
-            </a:endParaRPr>
           </a:p>
         </p:txBody>
       </p:sp>
@@ -15683,16 +15559,6 @@
               </a:rPr>
               <a:t>汽车维保完毕，车主结账提车。</a:t>
             </a:r>
-            <a:endParaRPr lang="zh-CN" altLang="en-US" sz="1630" dirty="0" smtClean="0">
-              <a:solidFill>
-                <a:schemeClr val="tx1">
-                  <a:lumMod val="85000"/>
-                  <a:lumOff val="15000"/>
-                </a:schemeClr>
-              </a:solidFill>
-              <a:latin typeface="微软雅黑" panose="020B0503020204020204" pitchFamily="34" charset="-122"/>
-              <a:ea typeface="微软雅黑" panose="020B0503020204020204" pitchFamily="34" charset="-122"/>
-            </a:endParaRPr>
           </a:p>
         </p:txBody>
       </p:sp>
@@ -15732,7 +15598,7 @@
     <a:masterClrMapping/>
   </p:clrMapOvr>
   <mc:AlternateContent xmlns:mc="http://schemas.openxmlformats.org/markup-compatibility/2006">
-    <mc:Choice xmlns:p14="http://schemas.microsoft.com/office/powerpoint/2010/main" Requires="p14">
+    <mc:Choice xmlns:p14="http://schemas.microsoft.com/office/powerpoint/2010/main" xmlns="" Requires="p14">
       <p:transition spd="slow" p14:dur="1500" advClick="0" advTm="0">
         <p:random/>
       </p:transition>
@@ -17121,21 +16987,30 @@
                             </p:childTnLst>
                           </p:cTn>
                         </p:par>
+                      </p:childTnLst>
+                    </p:cTn>
+                  </p:par>
+                  <p:par>
+                    <p:cTn id="93" fill="hold">
+                      <p:stCondLst>
+                        <p:cond delay="indefinite"/>
+                      </p:stCondLst>
+                      <p:childTnLst>
                         <p:par>
-                          <p:cTn id="93" fill="hold">
+                          <p:cTn id="94" fill="hold">
                             <p:stCondLst>
-                              <p:cond delay="7000"/>
+                              <p:cond delay="0"/>
                             </p:stCondLst>
                             <p:childTnLst>
                               <p:par>
-                                <p:cTn id="94" presetID="18" presetClass="entr" presetSubtype="9" fill="hold" grpId="0" nodeType="afterEffect">
+                                <p:cTn id="95" presetID="18" presetClass="entr" presetSubtype="9" fill="hold" grpId="0" nodeType="clickEffect">
                                   <p:stCondLst>
                                     <p:cond delay="0"/>
                                   </p:stCondLst>
                                   <p:childTnLst>
                                     <p:set>
                                       <p:cBhvr>
-                                        <p:cTn id="95" dur="1" fill="hold">
+                                        <p:cTn id="96" dur="1" fill="hold">
                                           <p:stCondLst>
                                             <p:cond delay="0"/>
                                           </p:stCondLst>
@@ -17153,7 +17028,7 @@
                                     </p:set>
                                     <p:animEffect transition="in" filter="strips(upLeft)">
                                       <p:cBhvr>
-                                        <p:cTn id="96" dur="500"/>
+                                        <p:cTn id="97" dur="500"/>
                                         <p:tgtEl>
                                           <p:spTgt spid="32"/>
                                         </p:tgtEl>
@@ -17166,20 +17041,20 @@
                           </p:cTn>
                         </p:par>
                         <p:par>
-                          <p:cTn id="97" fill="hold">
+                          <p:cTn id="98" fill="hold">
                             <p:stCondLst>
-                              <p:cond delay="7500"/>
+                              <p:cond delay="500"/>
                             </p:stCondLst>
                             <p:childTnLst>
                               <p:par>
-                                <p:cTn id="98" presetID="2" presetClass="exit" presetSubtype="2" fill="hold" grpId="1" nodeType="afterEffect">
+                                <p:cTn id="99" presetID="2" presetClass="exit" presetSubtype="2" fill="hold" grpId="1" nodeType="afterEffect">
                                   <p:stCondLst>
                                     <p:cond delay="0"/>
                                   </p:stCondLst>
                                   <p:childTnLst>
                                     <p:anim calcmode="lin" valueType="num">
                                       <p:cBhvr additive="base">
-                                        <p:cTn id="99" dur="500"/>
+                                        <p:cTn id="100" dur="500"/>
                                         <p:tgtEl>
                                           <p:spTgt spid="4"/>
                                         </p:tgtEl>
@@ -17202,7 +17077,7 @@
                                     </p:anim>
                                     <p:anim calcmode="lin" valueType="num">
                                       <p:cBhvr additive="base">
-                                        <p:cTn id="100" dur="500"/>
+                                        <p:cTn id="101" dur="500"/>
                                         <p:tgtEl>
                                           <p:spTgt spid="4"/>
                                         </p:tgtEl>
@@ -17225,7 +17100,7 @@
                                     </p:anim>
                                     <p:set>
                                       <p:cBhvr>
-                                        <p:cTn id="101" dur="1" fill="hold">
+                                        <p:cTn id="102" dur="1" fill="hold">
                                           <p:stCondLst>
                                             <p:cond delay="499"/>
                                           </p:stCondLst>
@@ -17248,20 +17123,20 @@
                           </p:cTn>
                         </p:par>
                         <p:par>
-                          <p:cTn id="102" fill="hold">
+                          <p:cTn id="103" fill="hold">
                             <p:stCondLst>
-                              <p:cond delay="8000"/>
+                              <p:cond delay="1000"/>
                             </p:stCondLst>
                             <p:childTnLst>
                               <p:par>
-                                <p:cTn id="103" presetID="52" presetClass="exit" presetSubtype="0" fill="hold" nodeType="afterEffect">
+                                <p:cTn id="104" presetID="52" presetClass="exit" presetSubtype="0" fill="hold" nodeType="afterEffect">
                                   <p:stCondLst>
                                     <p:cond delay="0"/>
                                   </p:stCondLst>
                                   <p:childTnLst>
                                     <p:animScale>
                                       <p:cBhvr>
-                                        <p:cTn id="104" dur="1000" accel="50000">
+                                        <p:cTn id="105" dur="1000" accel="50000">
                                           <p:stCondLst>
                                             <p:cond delay="0"/>
                                           </p:stCondLst>
@@ -17275,7 +17150,7 @@
                                     </p:animScale>
                                     <p:animMotion origin="layout" path="M 0.0000 0.0000 C 0.03802 0.0 0.1441 0.02341 0.1826 0.0915 C 0.22118 0.15964 0.24705 0.31256 0.2318 0.4083 C 0.21649 0.50394 0.20747 0.57948 0.0908 0.6661 C -0.02552 0.75279 -0.37517 0.88508 -0.4674 0.9289" pathEditMode="relative" ptsTypes="">
                                       <p:cBhvr>
-                                        <p:cTn id="105" dur="1000" accel="50000">
+                                        <p:cTn id="106" dur="1000" accel="50000">
                                           <p:stCondLst>
                                             <p:cond delay="0"/>
                                           </p:stCondLst>
@@ -17291,7 +17166,7 @@
                                     </p:animMotion>
                                     <p:animEffect transition="out" filter="fade">
                                       <p:cBhvr>
-                                        <p:cTn id="106" dur="1000"/>
+                                        <p:cTn id="107" dur="1000"/>
                                         <p:tgtEl>
                                           <p:spTgt spid="20"/>
                                         </p:tgtEl>
@@ -17299,7 +17174,7 @@
                                     </p:animEffect>
                                     <p:set>
                                       <p:cBhvr>
-                                        <p:cTn id="107" dur="1" fill="hold">
+                                        <p:cTn id="108" dur="1" fill="hold">
                                           <p:stCondLst>
                                             <p:cond delay="999"/>
                                           </p:stCondLst>
@@ -17319,14 +17194,14 @@
                                 </p:cTn>
                               </p:par>
                               <p:par>
-                                <p:cTn id="108" presetID="52" presetClass="exit" presetSubtype="0" fill="hold" nodeType="withEffect">
+                                <p:cTn id="109" presetID="52" presetClass="exit" presetSubtype="0" fill="hold" nodeType="withEffect">
                                   <p:stCondLst>
                                     <p:cond delay="250"/>
                                   </p:stCondLst>
                                   <p:childTnLst>
                                     <p:animScale>
                                       <p:cBhvr>
-                                        <p:cTn id="109" dur="1000" accel="50000">
+                                        <p:cTn id="110" dur="1000" accel="50000">
                                           <p:stCondLst>
                                             <p:cond delay="0"/>
                                           </p:stCondLst>
@@ -17340,7 +17215,7 @@
                                     </p:animScale>
                                     <p:animMotion origin="layout" path="M 0.0000 0.0000 C 0.03802 0.0 0.1441 0.02341 0.1826 0.0915 C 0.22118 0.15964 0.24705 0.31256 0.2318 0.4083 C 0.21649 0.50394 0.20747 0.57948 0.0908 0.6661 C -0.02552 0.75279 -0.37517 0.88508 -0.4674 0.9289" pathEditMode="relative" ptsTypes="">
                                       <p:cBhvr>
-                                        <p:cTn id="110" dur="1000" accel="50000">
+                                        <p:cTn id="111" dur="1000" accel="50000">
                                           <p:stCondLst>
                                             <p:cond delay="0"/>
                                           </p:stCondLst>
@@ -17356,7 +17231,7 @@
                                     </p:animMotion>
                                     <p:animEffect transition="out" filter="fade">
                                       <p:cBhvr>
-                                        <p:cTn id="111" dur="1000"/>
+                                        <p:cTn id="112" dur="1000"/>
                                         <p:tgtEl>
                                           <p:spTgt spid="5"/>
                                         </p:tgtEl>
@@ -17364,7 +17239,7 @@
                                     </p:animEffect>
                                     <p:set>
                                       <p:cBhvr>
-                                        <p:cTn id="112" dur="1" fill="hold">
+                                        <p:cTn id="113" dur="1" fill="hold">
                                           <p:stCondLst>
                                             <p:cond delay="999"/>
                                           </p:stCondLst>
@@ -17384,14 +17259,14 @@
                                 </p:cTn>
                               </p:par>
                               <p:par>
-                                <p:cTn id="113" presetID="52" presetClass="exit" presetSubtype="0" fill="hold" nodeType="withEffect">
+                                <p:cTn id="114" presetID="52" presetClass="exit" presetSubtype="0" fill="hold" nodeType="withEffect">
                                   <p:stCondLst>
                                     <p:cond delay="500"/>
                                   </p:stCondLst>
                                   <p:childTnLst>
                                     <p:animScale>
                                       <p:cBhvr>
-                                        <p:cTn id="114" dur="1000" accel="50000">
+                                        <p:cTn id="115" dur="1000" accel="50000">
                                           <p:stCondLst>
                                             <p:cond delay="0"/>
                                           </p:stCondLst>
@@ -17405,7 +17280,7 @@
                                     </p:animScale>
                                     <p:animMotion origin="layout" path="M 0.0000 0.0000 C 0.03802 0.0 0.1441 0.02341 0.1826 0.0915 C 0.22118 0.15964 0.24705 0.31256 0.2318 0.4083 C 0.21649 0.50394 0.20747 0.57948 0.0908 0.6661 C -0.02552 0.75279 -0.37517 0.88508 -0.4674 0.9289" pathEditMode="relative" ptsTypes="">
                                       <p:cBhvr>
-                                        <p:cTn id="115" dur="1000" accel="50000">
+                                        <p:cTn id="116" dur="1000" accel="50000">
                                           <p:stCondLst>
                                             <p:cond delay="0"/>
                                           </p:stCondLst>
@@ -17421,7 +17296,7 @@
                                     </p:animMotion>
                                     <p:animEffect transition="out" filter="fade">
                                       <p:cBhvr>
-                                        <p:cTn id="116" dur="1000"/>
+                                        <p:cTn id="117" dur="1000"/>
                                         <p:tgtEl>
                                           <p:spTgt spid="10"/>
                                         </p:tgtEl>
@@ -17429,7 +17304,7 @@
                                     </p:animEffect>
                                     <p:set>
                                       <p:cBhvr>
-                                        <p:cTn id="117" dur="1" fill="hold">
+                                        <p:cTn id="118" dur="1" fill="hold">
                                           <p:stCondLst>
                                             <p:cond delay="999"/>
                                           </p:stCondLst>
@@ -17449,14 +17324,14 @@
                                 </p:cTn>
                               </p:par>
                               <p:par>
-                                <p:cTn id="118" presetID="52" presetClass="exit" presetSubtype="0" fill="hold" nodeType="withEffect">
+                                <p:cTn id="119" presetID="52" presetClass="exit" presetSubtype="0" fill="hold" nodeType="withEffect">
                                   <p:stCondLst>
                                     <p:cond delay="750"/>
                                   </p:stCondLst>
                                   <p:childTnLst>
                                     <p:animScale>
                                       <p:cBhvr>
-                                        <p:cTn id="119" dur="1000" accel="50000">
+                                        <p:cTn id="120" dur="1000" accel="50000">
                                           <p:stCondLst>
                                             <p:cond delay="0"/>
                                           </p:stCondLst>
@@ -17470,7 +17345,7 @@
                                     </p:animScale>
                                     <p:animMotion origin="layout" path="M 0.0000 0.0000 C 0.03802 0.0 0.1441 0.02341 0.1826 0.0915 C 0.22118 0.15964 0.24705 0.31256 0.2318 0.4083 C 0.21649 0.50394 0.20747 0.57948 0.0908 0.6661 C -0.02552 0.75279 -0.37517 0.88508 -0.4674 0.9289" pathEditMode="relative" ptsTypes="">
                                       <p:cBhvr>
-                                        <p:cTn id="120" dur="1000" accel="50000">
+                                        <p:cTn id="121" dur="1000" accel="50000">
                                           <p:stCondLst>
                                             <p:cond delay="0"/>
                                           </p:stCondLst>
@@ -17486,7 +17361,7 @@
                                     </p:animMotion>
                                     <p:animEffect transition="out" filter="fade">
                                       <p:cBhvr>
-                                        <p:cTn id="121" dur="1000"/>
+                                        <p:cTn id="122" dur="1000"/>
                                         <p:tgtEl>
                                           <p:spTgt spid="15"/>
                                         </p:tgtEl>
@@ -17494,7 +17369,7 @@
                                     </p:animEffect>
                                     <p:set>
                                       <p:cBhvr>
-                                        <p:cTn id="122" dur="1" fill="hold">
+                                        <p:cTn id="123" dur="1" fill="hold">
                                           <p:stCondLst>
                                             <p:cond delay="999"/>
                                           </p:stCondLst>
@@ -17517,20 +17392,20 @@
                           </p:cTn>
                         </p:par>
                         <p:par>
-                          <p:cTn id="123" fill="hold">
+                          <p:cTn id="124" fill="hold">
                             <p:stCondLst>
-                              <p:cond delay="9000"/>
+                              <p:cond delay="2750"/>
                             </p:stCondLst>
                             <p:childTnLst>
                               <p:par>
-                                <p:cTn id="124" presetID="2" presetClass="exit" presetSubtype="4" fill="hold" grpId="2" nodeType="afterEffect">
+                                <p:cTn id="125" presetID="2" presetClass="exit" presetSubtype="4" fill="hold" grpId="2" nodeType="afterEffect">
                                   <p:stCondLst>
                                     <p:cond delay="0"/>
                                   </p:stCondLst>
                                   <p:childTnLst>
                                     <p:anim calcmode="lin" valueType="num">
                                       <p:cBhvr additive="base">
-                                        <p:cTn id="125" dur="500"/>
+                                        <p:cTn id="126" dur="500"/>
                                         <p:tgtEl>
                                           <p:spTgt spid="26"/>
                                         </p:tgtEl>
@@ -17553,7 +17428,7 @@
                                     </p:anim>
                                     <p:anim calcmode="lin" valueType="num">
                                       <p:cBhvr additive="base">
-                                        <p:cTn id="126" dur="500"/>
+                                        <p:cTn id="127" dur="500"/>
                                         <p:tgtEl>
                                           <p:spTgt spid="26"/>
                                         </p:tgtEl>
@@ -17576,7 +17451,7 @@
                                     </p:anim>
                                     <p:set>
                                       <p:cBhvr>
-                                        <p:cTn id="127" dur="1" fill="hold">
+                                        <p:cTn id="128" dur="1" fill="hold">
                                           <p:stCondLst>
                                             <p:cond delay="499"/>
                                           </p:stCondLst>
@@ -17596,14 +17471,14 @@
                                 </p:cTn>
                               </p:par>
                               <p:par>
-                                <p:cTn id="128" presetID="2" presetClass="exit" presetSubtype="4" fill="hold" grpId="1" nodeType="withEffect">
+                                <p:cTn id="129" presetID="2" presetClass="exit" presetSubtype="4" fill="hold" grpId="1" nodeType="withEffect">
                                   <p:stCondLst>
                                     <p:cond delay="0"/>
                                   </p:stCondLst>
                                   <p:childTnLst>
                                     <p:anim calcmode="lin" valueType="num">
                                       <p:cBhvr additive="base">
-                                        <p:cTn id="129" dur="500"/>
+                                        <p:cTn id="130" dur="500"/>
                                         <p:tgtEl>
                                           <p:spTgt spid="28"/>
                                         </p:tgtEl>
@@ -17626,7 +17501,7 @@
                                     </p:anim>
                                     <p:anim calcmode="lin" valueType="num">
                                       <p:cBhvr additive="base">
-                                        <p:cTn id="130" dur="500"/>
+                                        <p:cTn id="131" dur="500"/>
                                         <p:tgtEl>
                                           <p:spTgt spid="28"/>
                                         </p:tgtEl>
@@ -17649,7 +17524,7 @@
                                     </p:anim>
                                     <p:set>
                                       <p:cBhvr>
-                                        <p:cTn id="131" dur="1" fill="hold">
+                                        <p:cTn id="132" dur="1" fill="hold">
                                           <p:stCondLst>
                                             <p:cond delay="499"/>
                                           </p:stCondLst>
@@ -17669,14 +17544,14 @@
                                 </p:cTn>
                               </p:par>
                               <p:par>
-                                <p:cTn id="132" presetID="2" presetClass="exit" presetSubtype="4" fill="hold" grpId="2" nodeType="withEffect">
+                                <p:cTn id="133" presetID="2" presetClass="exit" presetSubtype="4" fill="hold" grpId="2" nodeType="withEffect">
                                   <p:stCondLst>
                                     <p:cond delay="0"/>
                                   </p:stCondLst>
                                   <p:childTnLst>
                                     <p:anim calcmode="lin" valueType="num">
                                       <p:cBhvr additive="base">
-                                        <p:cTn id="133" dur="500"/>
+                                        <p:cTn id="134" dur="500"/>
                                         <p:tgtEl>
                                           <p:spTgt spid="29"/>
                                         </p:tgtEl>
@@ -17699,7 +17574,7 @@
                                     </p:anim>
                                     <p:anim calcmode="lin" valueType="num">
                                       <p:cBhvr additive="base">
-                                        <p:cTn id="134" dur="500"/>
+                                        <p:cTn id="135" dur="500"/>
                                         <p:tgtEl>
                                           <p:spTgt spid="29"/>
                                         </p:tgtEl>
@@ -17722,7 +17597,7 @@
                                     </p:anim>
                                     <p:set>
                                       <p:cBhvr>
-                                        <p:cTn id="135" dur="1" fill="hold">
+                                        <p:cTn id="136" dur="1" fill="hold">
                                           <p:stCondLst>
                                             <p:cond delay="499"/>
                                           </p:stCondLst>
@@ -17742,14 +17617,14 @@
                                 </p:cTn>
                               </p:par>
                               <p:par>
-                                <p:cTn id="136" presetID="2" presetClass="exit" presetSubtype="4" fill="hold" grpId="1" nodeType="withEffect">
+                                <p:cTn id="137" presetID="2" presetClass="exit" presetSubtype="4" fill="hold" grpId="1" nodeType="withEffect">
                                   <p:stCondLst>
                                     <p:cond delay="0"/>
                                   </p:stCondLst>
                                   <p:childTnLst>
                                     <p:anim calcmode="lin" valueType="num">
                                       <p:cBhvr additive="base">
-                                        <p:cTn id="137" dur="500"/>
+                                        <p:cTn id="138" dur="500"/>
                                         <p:tgtEl>
                                           <p:spTgt spid="30"/>
                                         </p:tgtEl>
@@ -17772,7 +17647,7 @@
                                     </p:anim>
                                     <p:anim calcmode="lin" valueType="num">
                                       <p:cBhvr additive="base">
-                                        <p:cTn id="138" dur="500"/>
+                                        <p:cTn id="139" dur="500"/>
                                         <p:tgtEl>
                                           <p:spTgt spid="30"/>
                                         </p:tgtEl>
@@ -17795,7 +17670,7 @@
                                     </p:anim>
                                     <p:set>
                                       <p:cBhvr>
-                                        <p:cTn id="139" dur="1" fill="hold">
+                                        <p:cTn id="140" dur="1" fill="hold">
                                           <p:stCondLst>
                                             <p:cond delay="499"/>
                                           </p:stCondLst>
@@ -17815,14 +17690,14 @@
                                 </p:cTn>
                               </p:par>
                               <p:par>
-                                <p:cTn id="140" presetID="2" presetClass="exit" presetSubtype="1" fill="hold" grpId="2" nodeType="withEffect">
+                                <p:cTn id="141" presetID="2" presetClass="exit" presetSubtype="1" fill="hold" grpId="2" nodeType="withEffect">
                                   <p:stCondLst>
                                     <p:cond delay="0"/>
                                   </p:stCondLst>
                                   <p:childTnLst>
                                     <p:anim calcmode="lin" valueType="num">
                                       <p:cBhvr additive="base">
-                                        <p:cTn id="141" dur="500"/>
+                                        <p:cTn id="142" dur="500"/>
                                         <p:tgtEl>
                                           <p:spTgt spid="25"/>
                                         </p:tgtEl>
@@ -17845,7 +17720,7 @@
                                     </p:anim>
                                     <p:anim calcmode="lin" valueType="num">
                                       <p:cBhvr additive="base">
-                                        <p:cTn id="142" dur="500"/>
+                                        <p:cTn id="143" dur="500"/>
                                         <p:tgtEl>
                                           <p:spTgt spid="25"/>
                                         </p:tgtEl>
@@ -17868,7 +17743,7 @@
                                     </p:anim>
                                     <p:set>
                                       <p:cBhvr>
-                                        <p:cTn id="143" dur="1" fill="hold">
+                                        <p:cTn id="144" dur="1" fill="hold">
                                           <p:stCondLst>
                                             <p:cond delay="499"/>
                                           </p:stCondLst>
@@ -17888,14 +17763,14 @@
                                 </p:cTn>
                               </p:par>
                               <p:par>
-                                <p:cTn id="144" presetID="2" presetClass="exit" presetSubtype="1" fill="hold" grpId="1" nodeType="withEffect">
+                                <p:cTn id="145" presetID="2" presetClass="exit" presetSubtype="1" fill="hold" grpId="1" nodeType="withEffect">
                                   <p:stCondLst>
                                     <p:cond delay="0"/>
                                   </p:stCondLst>
                                   <p:childTnLst>
                                     <p:anim calcmode="lin" valueType="num">
                                       <p:cBhvr additive="base">
-                                        <p:cTn id="145" dur="500"/>
+                                        <p:cTn id="146" dur="500"/>
                                         <p:tgtEl>
                                           <p:spTgt spid="27"/>
                                         </p:tgtEl>
@@ -17918,7 +17793,7 @@
                                     </p:anim>
                                     <p:anim calcmode="lin" valueType="num">
                                       <p:cBhvr additive="base">
-                                        <p:cTn id="146" dur="500"/>
+                                        <p:cTn id="147" dur="500"/>
                                         <p:tgtEl>
                                           <p:spTgt spid="27"/>
                                         </p:tgtEl>
@@ -17941,7 +17816,7 @@
                                     </p:anim>
                                     <p:set>
                                       <p:cBhvr>
-                                        <p:cTn id="147" dur="1" fill="hold">
+                                        <p:cTn id="148" dur="1" fill="hold">
                                           <p:stCondLst>
                                             <p:cond delay="499"/>
                                           </p:stCondLst>
@@ -17961,16 +17836,16 @@
                                 </p:cTn>
                               </p:par>
                               <p:par>
-                                <p:cTn id="148" presetID="2" presetClass="exit" presetSubtype="1" fill="hold" grpId="2" nodeType="withEffect">
+                                <p:cTn id="149" presetID="2" presetClass="exit" presetSubtype="1" fill="hold" grpId="1" nodeType="withEffect">
                                   <p:stCondLst>
                                     <p:cond delay="0"/>
                                   </p:stCondLst>
                                   <p:childTnLst>
                                     <p:anim calcmode="lin" valueType="num">
                                       <p:cBhvr additive="base">
-                                        <p:cTn id="149" dur="500"/>
-                                        <p:tgtEl>
-                                          <p:spTgt spid="31"/>
+                                        <p:cTn id="150" dur="500"/>
+                                        <p:tgtEl>
+                                          <p:spTgt spid="32"/>
                                         </p:tgtEl>
                                         <p:attrNameLst>
                                           <p:attrName>ppt_x</p:attrName>
@@ -17991,9 +17866,9 @@
                                     </p:anim>
                                     <p:anim calcmode="lin" valueType="num">
                                       <p:cBhvr additive="base">
-                                        <p:cTn id="150" dur="500"/>
-                                        <p:tgtEl>
-                                          <p:spTgt spid="31"/>
+                                        <p:cTn id="151" dur="500"/>
+                                        <p:tgtEl>
+                                          <p:spTgt spid="32"/>
                                         </p:tgtEl>
                                         <p:attrNameLst>
                                           <p:attrName>ppt_y</p:attrName>
@@ -18014,80 +17889,7 @@
                                     </p:anim>
                                     <p:set>
                                       <p:cBhvr>
-                                        <p:cTn id="151" dur="1" fill="hold">
-                                          <p:stCondLst>
-                                            <p:cond delay="499"/>
-                                          </p:stCondLst>
-                                        </p:cTn>
-                                        <p:tgtEl>
-                                          <p:spTgt spid="31"/>
-                                        </p:tgtEl>
-                                        <p:attrNameLst>
-                                          <p:attrName>style.visibility</p:attrName>
-                                        </p:attrNameLst>
-                                      </p:cBhvr>
-                                      <p:to>
-                                        <p:strVal val="hidden"/>
-                                      </p:to>
-                                    </p:set>
-                                  </p:childTnLst>
-                                </p:cTn>
-                              </p:par>
-                              <p:par>
-                                <p:cTn id="152" presetID="2" presetClass="exit" presetSubtype="1" fill="hold" grpId="1" nodeType="withEffect">
-                                  <p:stCondLst>
-                                    <p:cond delay="0"/>
-                                  </p:stCondLst>
-                                  <p:childTnLst>
-                                    <p:anim calcmode="lin" valueType="num">
-                                      <p:cBhvr additive="base">
-                                        <p:cTn id="153" dur="500"/>
-                                        <p:tgtEl>
-                                          <p:spTgt spid="32"/>
-                                        </p:tgtEl>
-                                        <p:attrNameLst>
-                                          <p:attrName>ppt_x</p:attrName>
-                                        </p:attrNameLst>
-                                      </p:cBhvr>
-                                      <p:tavLst>
-                                        <p:tav tm="0">
-                                          <p:val>
-                                            <p:strVal val="ppt_x"/>
-                                          </p:val>
-                                        </p:tav>
-                                        <p:tav tm="100000">
-                                          <p:val>
-                                            <p:strVal val="ppt_x"/>
-                                          </p:val>
-                                        </p:tav>
-                                      </p:tavLst>
-                                    </p:anim>
-                                    <p:anim calcmode="lin" valueType="num">
-                                      <p:cBhvr additive="base">
-                                        <p:cTn id="154" dur="500"/>
-                                        <p:tgtEl>
-                                          <p:spTgt spid="32"/>
-                                        </p:tgtEl>
-                                        <p:attrNameLst>
-                                          <p:attrName>ppt_y</p:attrName>
-                                        </p:attrNameLst>
-                                      </p:cBhvr>
-                                      <p:tavLst>
-                                        <p:tav tm="0">
-                                          <p:val>
-                                            <p:strVal val="ppt_y"/>
-                                          </p:val>
-                                        </p:tav>
-                                        <p:tav tm="100000">
-                                          <p:val>
-                                            <p:strVal val="0-ppt_h/2"/>
-                                          </p:val>
-                                        </p:tav>
-                                      </p:tavLst>
-                                    </p:anim>
-                                    <p:set>
-                                      <p:cBhvr>
-                                        <p:cTn id="155" dur="1" fill="hold">
+                                        <p:cTn id="152" dur="1" fill="hold">
                                           <p:stCondLst>
                                             <p:cond delay="499"/>
                                           </p:stCondLst>
@@ -18113,26 +17915,26 @@
                     </p:cTn>
                   </p:par>
                   <p:par>
-                    <p:cTn id="156" fill="hold">
+                    <p:cTn id="153" fill="hold">
                       <p:stCondLst>
                         <p:cond delay="indefinite"/>
                       </p:stCondLst>
                       <p:childTnLst>
                         <p:par>
-                          <p:cTn id="157" fill="hold">
+                          <p:cTn id="154" fill="hold">
                             <p:stCondLst>
                               <p:cond delay="0"/>
                             </p:stCondLst>
                             <p:childTnLst>
                               <p:par>
-                                <p:cTn id="158" presetID="22" presetClass="entr" presetSubtype="4" fill="hold" grpId="0" nodeType="clickEffect">
+                                <p:cTn id="155" presetID="22" presetClass="entr" presetSubtype="4" fill="hold" grpId="0" nodeType="clickEffect">
                                   <p:stCondLst>
                                     <p:cond delay="0"/>
                                   </p:stCondLst>
                                   <p:childTnLst>
                                     <p:set>
                                       <p:cBhvr>
-                                        <p:cTn id="159" dur="1" fill="hold">
+                                        <p:cTn id="156" dur="1" fill="hold">
                                           <p:stCondLst>
                                             <p:cond delay="0"/>
                                           </p:stCondLst>
@@ -18150,7 +17952,7 @@
                                     </p:set>
                                     <p:animEffect transition="in" filter="wipe(down)">
                                       <p:cBhvr>
-                                        <p:cTn id="160" dur="750"/>
+                                        <p:cTn id="157" dur="750"/>
                                         <p:tgtEl>
                                           <p:spTgt spid="33"/>
                                         </p:tgtEl>
@@ -18206,7 +18008,6 @@
       <p:bldP spid="30" grpId="1"/>
       <p:bldP spid="31" grpId="0" animBg="1"/>
       <p:bldP spid="31" grpId="1" animBg="1"/>
-      <p:bldP spid="31" grpId="2" animBg="1"/>
       <p:bldP spid="32" grpId="0"/>
       <p:bldP spid="32" grpId="1"/>
       <p:bldP spid="33" grpId="0"/>
@@ -18271,15 +18072,6 @@
               </a:rPr>
               <a:t>单击此处添加标题</a:t>
             </a:r>
-            <a:endParaRPr lang="zh-CN" altLang="en-US" sz="2000" b="1" dirty="0" smtClean="0">
-              <a:solidFill>
-                <a:schemeClr val="accent5">
-                  <a:lumMod val="75000"/>
-                </a:schemeClr>
-              </a:solidFill>
-              <a:latin typeface="Arial" panose="020B0604020202020204" pitchFamily="34" charset="0"/>
-              <a:ea typeface="微软雅黑" panose="020B0503020204020204" pitchFamily="34" charset="-122"/>
-            </a:endParaRPr>
           </a:p>
         </p:txBody>
       </p:sp>
@@ -18292,11 +18084,11 @@
           <p:nvPr/>
         </p:nvPicPr>
         <p:blipFill rotWithShape="1">
-          <a:blip r:embed="rId1" cstate="email">
+          <a:blip r:embed="rId3" cstate="email">
             <a:extLst>
               <a:ext uri="{BEBA8EAE-BF5A-486C-A8C5-ECC9F3942E4B}">
-                <a14:imgProps xmlns:a14="http://schemas.microsoft.com/office/drawing/2010/main">
-                  <a14:imgLayer r:embed="rId2">
+                <a14:imgProps xmlns:a14="http://schemas.microsoft.com/office/drawing/2010/main" xmlns="">
+                  <a14:imgLayer r:embed="rId4">
                     <a14:imgEffect>
                       <a14:saturation sat="0"/>
                     </a14:imgEffect>
@@ -18321,7 +18113,7 @@
           <a:noFill/>
           <a:extLst>
             <a:ext uri="{909E8E84-426E-40DD-AFC4-6F175D3DCCD1}">
-              <a14:hiddenFill xmlns:a14="http://schemas.microsoft.com/office/drawing/2010/main">
+              <a14:hiddenFill xmlns:a14="http://schemas.microsoft.com/office/drawing/2010/main" xmlns="">
                 <a:solidFill>
                   <a:srgbClr val="FFFFFF"/>
                 </a:solidFill>
@@ -18465,13 +18257,6 @@
               </a:rPr>
               <a:t>04</a:t>
             </a:r>
-            <a:endParaRPr lang="en-US" altLang="zh-CN" sz="8800" dirty="0" smtClean="0">
-              <a:solidFill>
-                <a:schemeClr val="bg1"/>
-              </a:solidFill>
-              <a:latin typeface="+mj-ea"/>
-              <a:ea typeface="+mj-ea"/>
-            </a:endParaRPr>
           </a:p>
         </p:txBody>
       </p:sp>
@@ -18512,13 +18297,6 @@
               </a:rPr>
               <a:t>应用开发技术</a:t>
             </a:r>
-            <a:endParaRPr lang="zh-CN" altLang="en-US" sz="4400" b="1" dirty="0" smtClean="0">
-              <a:solidFill>
-                <a:schemeClr val="bg1"/>
-              </a:solidFill>
-              <a:latin typeface="+mj-ea"/>
-              <a:ea typeface="+mj-ea"/>
-            </a:endParaRPr>
           </a:p>
         </p:txBody>
       </p:sp>
@@ -18558,7 +18336,7 @@
     <a:masterClrMapping/>
   </p:clrMapOvr>
   <mc:AlternateContent xmlns:mc="http://schemas.openxmlformats.org/markup-compatibility/2006">
-    <mc:Choice xmlns:p14="http://schemas.microsoft.com/office/powerpoint/2010/main" Requires="p14">
+    <mc:Choice xmlns:p14="http://schemas.microsoft.com/office/powerpoint/2010/main" xmlns="" Requires="p14">
       <p:transition spd="slow" p14:dur="1500" advClick="0" advTm="0">
         <p:random/>
       </p:transition>
@@ -19120,15 +18898,6 @@
               </a:rPr>
               <a:t>项目所用技术</a:t>
             </a:r>
-            <a:endParaRPr lang="zh-CN" altLang="en-US" sz="2000" b="1" dirty="0" smtClean="0">
-              <a:solidFill>
-                <a:schemeClr val="accent5">
-                  <a:lumMod val="75000"/>
-                </a:schemeClr>
-              </a:solidFill>
-              <a:latin typeface="Arial" panose="020B0604020202020204" pitchFamily="34" charset="0"/>
-              <a:ea typeface="微软雅黑" panose="020B0503020204020204" pitchFamily="34" charset="-122"/>
-            </a:endParaRPr>
           </a:p>
         </p:txBody>
       </p:sp>
@@ -21178,16 +20947,6 @@
                 </a:rPr>
                 <a:t>轻量化框架</a:t>
               </a:r>
-              <a:endParaRPr lang="zh-CN" altLang="en-US" sz="1400" dirty="0" smtClean="0">
-                <a:solidFill>
-                  <a:schemeClr val="tx1">
-                    <a:lumMod val="75000"/>
-                    <a:lumOff val="25000"/>
-                  </a:schemeClr>
-                </a:solidFill>
-                <a:latin typeface="+mj-ea"/>
-                <a:ea typeface="+mj-ea"/>
-              </a:endParaRPr>
             </a:p>
           </p:txBody>
         </p:sp>
@@ -21505,16 +21264,6 @@
                 </a:rPr>
                 <a:t>数据库</a:t>
               </a:r>
-              <a:endParaRPr lang="zh-CN" altLang="en-US" sz="1400" dirty="0" err="1" smtClean="0">
-                <a:solidFill>
-                  <a:schemeClr val="tx1">
-                    <a:lumMod val="75000"/>
-                    <a:lumOff val="25000"/>
-                  </a:schemeClr>
-                </a:solidFill>
-                <a:latin typeface="+mj-ea"/>
-                <a:ea typeface="+mj-ea"/>
-              </a:endParaRPr>
             </a:p>
           </p:txBody>
         </p:sp>
@@ -21739,7 +21488,7 @@
     <a:masterClrMapping/>
   </p:clrMapOvr>
   <mc:AlternateContent xmlns:mc="http://schemas.openxmlformats.org/markup-compatibility/2006">
-    <mc:Choice xmlns:p14="http://schemas.microsoft.com/office/powerpoint/2010/main" Requires="p14">
+    <mc:Choice xmlns:p14="http://schemas.microsoft.com/office/powerpoint/2010/main" xmlns="" Requires="p14">
       <p:transition spd="slow" p14:dur="1500" advClick="0" advTm="0">
         <p:random/>
       </p:transition>
@@ -22505,15 +22254,6 @@
               </a:rPr>
               <a:t>核心技术</a:t>
             </a:r>
-            <a:endParaRPr lang="zh-CN" altLang="en-US" sz="2000" b="1" dirty="0" smtClean="0">
-              <a:solidFill>
-                <a:schemeClr val="accent5">
-                  <a:lumMod val="75000"/>
-                </a:schemeClr>
-              </a:solidFill>
-              <a:latin typeface="Arial" panose="020B0604020202020204" pitchFamily="34" charset="0"/>
-              <a:ea typeface="微软雅黑" panose="020B0503020204020204" pitchFamily="34" charset="-122"/>
-            </a:endParaRPr>
           </a:p>
         </p:txBody>
       </p:sp>
@@ -22755,12 +22495,6 @@
                 </a:rPr>
                 <a:t>Email</a:t>
               </a:r>
-              <a:endParaRPr lang="en-US" altLang="zh-CN" sz="2600" b="1" dirty="0" smtClean="0">
-                <a:solidFill>
-                  <a:srgbClr val="FFFFFF"/>
-                </a:solidFill>
-                <a:ea typeface="微软雅黑" panose="020B0503020204020204" pitchFamily="34" charset="-122"/>
-              </a:endParaRPr>
             </a:p>
           </p:txBody>
         </p:sp>
@@ -22874,12 +22608,6 @@
                 </a:rPr>
                 <a:t>highcharts</a:t>
               </a:r>
-              <a:endParaRPr lang="en-US" altLang="zh-CN" sz="2600" b="1" dirty="0" smtClean="0">
-                <a:solidFill>
-                  <a:srgbClr val="FFFFFF"/>
-                </a:solidFill>
-                <a:ea typeface="微软雅黑" panose="020B0503020204020204" pitchFamily="34" charset="-122"/>
-              </a:endParaRPr>
             </a:p>
           </p:txBody>
         </p:sp>
@@ -23472,12 +23200,6 @@
                 </a:rPr>
                 <a:t>Restful API</a:t>
               </a:r>
-              <a:endParaRPr lang="en-US" altLang="zh-CN" sz="2600" b="1" dirty="0" err="1" smtClean="0">
-                <a:solidFill>
-                  <a:srgbClr val="FFFFFF"/>
-                </a:solidFill>
-                <a:ea typeface="微软雅黑" panose="020B0503020204020204" pitchFamily="34" charset="-122"/>
-              </a:endParaRPr>
             </a:p>
           </p:txBody>
         </p:sp>
@@ -23832,14 +23554,14 @@
           </a:ln>
           <a:extLst>
             <a:ext uri="{909E8E84-426E-40DD-AFC4-6F175D3DCCD1}">
-              <a14:hiddenFill xmlns:a14="http://schemas.microsoft.com/office/drawing/2010/main">
+              <a14:hiddenFill xmlns:a14="http://schemas.microsoft.com/office/drawing/2010/main" xmlns="">
                 <a:solidFill>
                   <a:srgbClr val="FFFFFF"/>
                 </a:solidFill>
               </a14:hiddenFill>
             </a:ext>
             <a:ext uri="{91240B29-F687-4F45-9708-019B960494DF}">
-              <a14:hiddenLine xmlns:a14="http://schemas.microsoft.com/office/drawing/2010/main" w="12700">
+              <a14:hiddenLine xmlns:a14="http://schemas.microsoft.com/office/drawing/2010/main" xmlns="" w="12700">
                 <a:solidFill>
                   <a:schemeClr val="tx1"/>
                 </a:solidFill>
@@ -23910,18 +23632,6 @@
               </a:rPr>
               <a:t>和短信接口实现客户信息的动态交互</a:t>
             </a:r>
-            <a:endParaRPr lang="zh-CN" altLang="en-US" sz="1400" dirty="0" smtClean="0">
-              <a:solidFill>
-                <a:schemeClr val="tx1">
-                  <a:lumMod val="75000"/>
-                  <a:lumOff val="25000"/>
-                </a:schemeClr>
-              </a:solidFill>
-              <a:latin typeface="+mj-ea"/>
-              <a:ea typeface="+mj-ea"/>
-              <a:cs typeface="Lato Light" charset="0"/>
-              <a:sym typeface="Lato Light" charset="0"/>
-            </a:endParaRPr>
           </a:p>
           <a:p>
             <a:pPr fontAlgn="base">
@@ -24005,18 +23715,6 @@
               </a:rPr>
               <a:t>处理数据实现报表统计</a:t>
             </a:r>
-            <a:endParaRPr lang="zh-CN" altLang="en-US" sz="1400" dirty="0" smtClean="0">
-              <a:solidFill>
-                <a:schemeClr val="tx1">
-                  <a:lumMod val="75000"/>
-                  <a:lumOff val="25000"/>
-                </a:schemeClr>
-              </a:solidFill>
-              <a:latin typeface="+mj-ea"/>
-              <a:ea typeface="+mj-ea"/>
-              <a:cs typeface="Lato Light" charset="0"/>
-              <a:sym typeface="Lato Light" charset="0"/>
-            </a:endParaRPr>
           </a:p>
           <a:p>
             <a:pPr fontAlgn="base">
@@ -24085,18 +23783,6 @@
               </a:rPr>
               <a:t>实现项目请求的安全与规范</a:t>
             </a:r>
-            <a:endParaRPr lang="zh-CN" altLang="en-US" sz="1400" dirty="0" smtClean="0">
-              <a:solidFill>
-                <a:schemeClr val="tx1">
-                  <a:lumMod val="75000"/>
-                  <a:lumOff val="25000"/>
-                </a:schemeClr>
-              </a:solidFill>
-              <a:latin typeface="+mj-ea"/>
-              <a:ea typeface="+mj-ea"/>
-              <a:cs typeface="Lato Light" charset="0"/>
-              <a:sym typeface="Lato Light" charset="0"/>
-            </a:endParaRPr>
           </a:p>
         </p:txBody>
       </p:sp>
@@ -24136,7 +23822,7 @@
     <a:masterClrMapping/>
   </p:clrMapOvr>
   <mc:AlternateContent xmlns:mc="http://schemas.openxmlformats.org/markup-compatibility/2006">
-    <mc:Choice xmlns:p14="http://schemas.microsoft.com/office/powerpoint/2010/main" Requires="p14">
+    <mc:Choice xmlns:p14="http://schemas.microsoft.com/office/powerpoint/2010/main" xmlns="" Requires="p14">
       <p:transition spd="slow" p14:dur="1500" advClick="0" advTm="0">
         <p:random/>
       </p:transition>
@@ -24766,7 +24452,7 @@
     <p:bg>
       <p:bgPr>
         <a:blipFill rotWithShape="1">
-          <a:blip r:embed="rId1"/>
+          <a:blip r:embed="rId3" cstate="print"/>
           <a:stretch>
             <a:fillRect/>
           </a:stretch>
@@ -24827,15 +24513,6 @@
               </a:rPr>
               <a:t>单击此处添加标题</a:t>
             </a:r>
-            <a:endParaRPr lang="zh-CN" altLang="en-US" sz="2000" b="1" dirty="0" smtClean="0">
-              <a:solidFill>
-                <a:schemeClr val="accent5">
-                  <a:lumMod val="75000"/>
-                </a:schemeClr>
-              </a:solidFill>
-              <a:latin typeface="Arial" panose="020B0604020202020204" pitchFamily="34" charset="0"/>
-              <a:ea typeface="微软雅黑" panose="020B0503020204020204" pitchFamily="34" charset="-122"/>
-            </a:endParaRPr>
           </a:p>
         </p:txBody>
       </p:sp>
@@ -24848,7 +24525,7 @@
           <p:nvPr/>
         </p:nvPicPr>
         <p:blipFill>
-          <a:blip r:embed="rId1"/>
+          <a:blip r:embed="rId3" cstate="print"/>
           <a:stretch>
             <a:fillRect/>
           </a:stretch>
@@ -24998,13 +24675,6 @@
               </a:rPr>
               <a:t>05</a:t>
             </a:r>
-            <a:endParaRPr lang="en-US" altLang="zh-CN" sz="8800" dirty="0" smtClean="0">
-              <a:solidFill>
-                <a:schemeClr val="bg1"/>
-              </a:solidFill>
-              <a:latin typeface="+mj-ea"/>
-              <a:ea typeface="+mj-ea"/>
-            </a:endParaRPr>
           </a:p>
         </p:txBody>
       </p:sp>
@@ -25045,13 +24715,6 @@
               </a:rPr>
               <a:t>项目总结</a:t>
             </a:r>
-            <a:endParaRPr lang="zh-CN" altLang="en-US" sz="4400" b="1" dirty="0" smtClean="0">
-              <a:solidFill>
-                <a:schemeClr val="bg1"/>
-              </a:solidFill>
-              <a:latin typeface="+mj-ea"/>
-              <a:ea typeface="+mj-ea"/>
-            </a:endParaRPr>
           </a:p>
         </p:txBody>
       </p:sp>
@@ -25091,7 +24754,7 @@
     <a:masterClrMapping/>
   </p:clrMapOvr>
   <mc:AlternateContent xmlns:mc="http://schemas.openxmlformats.org/markup-compatibility/2006">
-    <mc:Choice xmlns:p14="http://schemas.microsoft.com/office/powerpoint/2010/main" Requires="p14">
+    <mc:Choice xmlns:p14="http://schemas.microsoft.com/office/powerpoint/2010/main" xmlns="" Requires="p14">
       <p:transition spd="slow" p14:dur="1500" advClick="0" advTm="0">
         <p:random/>
       </p:transition>
@@ -25559,15 +25222,6 @@
               </a:rPr>
               <a:t>项目总结</a:t>
             </a:r>
-            <a:endParaRPr lang="zh-CN" altLang="en-US" sz="2000" b="1" dirty="0" smtClean="0">
-              <a:solidFill>
-                <a:schemeClr val="accent5">
-                  <a:lumMod val="75000"/>
-                </a:schemeClr>
-              </a:solidFill>
-              <a:latin typeface="Arial" panose="020B0604020202020204" pitchFamily="34" charset="0"/>
-              <a:ea typeface="微软雅黑" panose="020B0503020204020204" pitchFamily="34" charset="-122"/>
-            </a:endParaRPr>
           </a:p>
         </p:txBody>
       </p:sp>
@@ -25603,7 +25257,7 @@
           <p:sp>
             <p:nvSpPr>
               <p:cNvPr id="7" name="椭圆形标注 6">
-                <a:hlinkClick r:id="rId1"/>
+                <a:hlinkClick r:id="rId3"/>
               </p:cNvPr>
               <p:cNvSpPr/>
               <p:nvPr/>
@@ -25711,7 +25365,7 @@
         <p:sp>
           <p:nvSpPr>
             <p:cNvPr id="6" name="Text Box 11">
-              <a:hlinkClick r:id="rId1"/>
+              <a:hlinkClick r:id="rId3"/>
             </p:cNvPr>
             <p:cNvSpPr txBox="1">
               <a:spLocks noChangeArrowheads="1"/>
@@ -25819,16 +25473,6 @@
                 </a:rPr>
                 <a:t>语句能使用动态就用动态使代码最大化的使用。</a:t>
               </a:r>
-              <a:endParaRPr lang="zh-CN" altLang="en-US" sz="1200" spc="50" dirty="0" smtClean="0">
-                <a:solidFill>
-                  <a:schemeClr val="tx1">
-                    <a:lumMod val="75000"/>
-                    <a:lumOff val="25000"/>
-                  </a:schemeClr>
-                </a:solidFill>
-                <a:latin typeface="微软雅黑" panose="020B0503020204020204" pitchFamily="34" charset="-122"/>
-                <a:ea typeface="微软雅黑" panose="020B0503020204020204" pitchFamily="34" charset="-122"/>
-              </a:endParaRPr>
             </a:p>
           </p:txBody>
         </p:sp>
@@ -25865,7 +25509,7 @@
           <p:sp>
             <p:nvSpPr>
               <p:cNvPr id="12" name="椭圆形标注 11">
-                <a:hlinkClick r:id="rId1"/>
+                <a:hlinkClick r:id="rId3"/>
               </p:cNvPr>
               <p:cNvSpPr/>
               <p:nvPr/>
@@ -25921,7 +25565,7 @@
           <p:sp>
             <p:nvSpPr>
               <p:cNvPr id="13" name="矩形 12">
-                <a:hlinkClick r:id="rId1"/>
+                <a:hlinkClick r:id="rId3"/>
               </p:cNvPr>
               <p:cNvSpPr/>
               <p:nvPr/>
@@ -25973,7 +25617,7 @@
         <p:sp>
           <p:nvSpPr>
             <p:cNvPr id="11" name="矩形 18">
-              <a:hlinkClick r:id="rId1"/>
+              <a:hlinkClick r:id="rId3"/>
             </p:cNvPr>
             <p:cNvSpPr>
               <a:spLocks noChangeArrowheads="1"/>
@@ -26015,31 +25659,8 @@
                   <a:latin typeface="微软雅黑" panose="020B0503020204020204" pitchFamily="34" charset="-122"/>
                   <a:ea typeface="微软雅黑" panose="020B0503020204020204" pitchFamily="34" charset="-122"/>
                 </a:rPr>
-                <a:t>在做项目时遇到很多困难，单单靠老师传授的知识去解决问题远远不够，不断的去学习在探索中寻找答案才使得我们这个团队顺利的完成项目</a:t>
+                <a:t>在做项目时遇到很多困难，单单靠老师传授的知识去解决问题远远不够，不断的去学习在探索中寻找答案才使得我们这个团队顺利的完成项目。</a:t>
               </a:r>
-              <a:r>
-                <a:rPr lang="zh-CN" altLang="en-US" sz="1200" spc="50" dirty="0" smtClean="0">
-                  <a:solidFill>
-                    <a:schemeClr val="tx1">
-                      <a:lumMod val="75000"/>
-                      <a:lumOff val="25000"/>
-                    </a:schemeClr>
-                  </a:solidFill>
-                  <a:latin typeface="微软雅黑" panose="020B0503020204020204" pitchFamily="34" charset="-122"/>
-                  <a:ea typeface="微软雅黑" panose="020B0503020204020204" pitchFamily="34" charset="-122"/>
-                </a:rPr>
-                <a:t>。</a:t>
-              </a:r>
-              <a:endParaRPr lang="zh-CN" altLang="en-US" sz="1200" spc="50" dirty="0" smtClean="0">
-                <a:solidFill>
-                  <a:schemeClr val="tx1">
-                    <a:lumMod val="75000"/>
-                    <a:lumOff val="25000"/>
-                  </a:schemeClr>
-                </a:solidFill>
-                <a:latin typeface="微软雅黑" panose="020B0503020204020204" pitchFamily="34" charset="-122"/>
-                <a:ea typeface="微软雅黑" panose="020B0503020204020204" pitchFamily="34" charset="-122"/>
-              </a:endParaRPr>
             </a:p>
           </p:txBody>
         </p:sp>
@@ -26076,7 +25697,7 @@
           <p:sp>
             <p:nvSpPr>
               <p:cNvPr id="17" name="椭圆形标注 16">
-                <a:hlinkClick r:id="rId1"/>
+                <a:hlinkClick r:id="rId3"/>
               </p:cNvPr>
               <p:cNvSpPr/>
               <p:nvPr/>
@@ -26134,7 +25755,7 @@
           <p:sp>
             <p:nvSpPr>
               <p:cNvPr id="18" name="矩形 17">
-                <a:hlinkClick r:id="rId1"/>
+                <a:hlinkClick r:id="rId3"/>
               </p:cNvPr>
               <p:cNvSpPr/>
               <p:nvPr/>
@@ -26186,7 +25807,7 @@
         <p:sp>
           <p:nvSpPr>
             <p:cNvPr id="16" name="Text Box 11">
-              <a:hlinkClick r:id="rId1"/>
+              <a:hlinkClick r:id="rId3"/>
             </p:cNvPr>
             <p:cNvSpPr txBox="1">
               <a:spLocks noChangeArrowheads="1"/>
@@ -26242,14 +25863,6 @@
                 </a:rPr>
                 <a:t>团队目标一致才能够稳当的向前走，在遇到问题时候基础差的会请教基础好的同学，大家都不会吝啬很热心的互相帮助，大家各司其职才使得这个项目成功的结束</a:t>
               </a:r>
-              <a:endParaRPr lang="zh-CN" altLang="en-US" dirty="0">
-                <a:solidFill>
-                  <a:schemeClr val="tx1">
-                    <a:lumMod val="75000"/>
-                    <a:lumOff val="25000"/>
-                  </a:schemeClr>
-                </a:solidFill>
-              </a:endParaRPr>
             </a:p>
           </p:txBody>
         </p:sp>
@@ -26288,14 +25901,6 @@
               </a:rPr>
               <a:t>剥丝抽茧</a:t>
             </a:r>
-            <a:endParaRPr lang="en-US" altLang="zh-CN" sz="2400" b="1" dirty="0">
-              <a:solidFill>
-                <a:schemeClr val="tx1">
-                  <a:lumMod val="75000"/>
-                  <a:lumOff val="25000"/>
-                </a:schemeClr>
-              </a:solidFill>
-            </a:endParaRPr>
           </a:p>
         </p:txBody>
       </p:sp>
@@ -26332,14 +25937,6 @@
               </a:rPr>
               <a:t>学无止境</a:t>
             </a:r>
-            <a:endParaRPr lang="zh-CN" altLang="en-US" sz="2400" b="1" dirty="0">
-              <a:solidFill>
-                <a:schemeClr val="tx1">
-                  <a:lumMod val="75000"/>
-                  <a:lumOff val="25000"/>
-                </a:schemeClr>
-              </a:solidFill>
-            </a:endParaRPr>
           </a:p>
         </p:txBody>
       </p:sp>
@@ -26377,14 +25974,6 @@
               </a:rPr>
               <a:t>同力协契</a:t>
             </a:r>
-            <a:endParaRPr lang="zh-CN" altLang="en-US" sz="2400" b="1" dirty="0">
-              <a:solidFill>
-                <a:schemeClr val="tx1">
-                  <a:lumMod val="75000"/>
-                  <a:lumOff val="25000"/>
-                </a:schemeClr>
-              </a:solidFill>
-            </a:endParaRPr>
           </a:p>
         </p:txBody>
       </p:sp>
@@ -26424,7 +26013,7 @@
     <a:masterClrMapping/>
   </p:clrMapOvr>
   <mc:AlternateContent xmlns:mc="http://schemas.openxmlformats.org/markup-compatibility/2006">
-    <mc:Choice xmlns:p14="http://schemas.microsoft.com/office/powerpoint/2010/main" Requires="p14">
+    <mc:Choice xmlns:p14="http://schemas.microsoft.com/office/powerpoint/2010/main" xmlns="" Requires="p14">
       <p:transition spd="slow" p14:dur="1500" advClick="0" advTm="0">
         <p:random/>
       </p:transition>
@@ -27045,7 +26634,7 @@
           <p:nvPr/>
         </p:nvPicPr>
         <p:blipFill rotWithShape="1">
-          <a:blip r:embed="rId1" cstate="email"/>
+          <a:blip r:embed="rId3" cstate="email"/>
           <a:srcRect/>
           <a:stretch>
             <a:fillRect/>
@@ -27287,15 +26876,6 @@
               </a:rPr>
               <a:t>团队成员介绍</a:t>
             </a:r>
-            <a:endParaRPr lang="zh-CN" altLang="en-US" sz="2800" b="1" dirty="0" smtClean="0">
-              <a:solidFill>
-                <a:schemeClr val="accent5">
-                  <a:lumMod val="75000"/>
-                </a:schemeClr>
-              </a:solidFill>
-              <a:latin typeface="+mj-ea"/>
-              <a:ea typeface="+mj-ea"/>
-            </a:endParaRPr>
           </a:p>
         </p:txBody>
       </p:sp>
@@ -27350,15 +26930,6 @@
               </a:rPr>
               <a:t>项目特色展示</a:t>
             </a:r>
-            <a:endParaRPr lang="zh-CN" altLang="en-US" sz="2800" b="1" dirty="0" smtClean="0">
-              <a:solidFill>
-                <a:schemeClr val="accent5">
-                  <a:lumMod val="75000"/>
-                </a:schemeClr>
-              </a:solidFill>
-              <a:latin typeface="+mj-ea"/>
-              <a:ea typeface="+mj-ea"/>
-            </a:endParaRPr>
           </a:p>
         </p:txBody>
       </p:sp>
@@ -27413,15 +26984,6 @@
               </a:rPr>
               <a:t>市场评估分析</a:t>
             </a:r>
-            <a:endParaRPr lang="zh-CN" altLang="en-US" sz="2800" b="1" dirty="0" smtClean="0">
-              <a:solidFill>
-                <a:schemeClr val="accent5">
-                  <a:lumMod val="75000"/>
-                </a:schemeClr>
-              </a:solidFill>
-              <a:latin typeface="+mj-ea"/>
-              <a:ea typeface="+mj-ea"/>
-            </a:endParaRPr>
           </a:p>
         </p:txBody>
       </p:sp>
@@ -27476,15 +27038,6 @@
               </a:rPr>
               <a:t>应用开发技术</a:t>
             </a:r>
-            <a:endParaRPr lang="zh-CN" altLang="en-US" sz="2800" b="1" dirty="0" smtClean="0">
-              <a:solidFill>
-                <a:schemeClr val="accent5">
-                  <a:lumMod val="75000"/>
-                </a:schemeClr>
-              </a:solidFill>
-              <a:latin typeface="+mj-ea"/>
-              <a:ea typeface="+mj-ea"/>
-            </a:endParaRPr>
           </a:p>
         </p:txBody>
       </p:sp>
@@ -27524,7 +27077,7 @@
     <a:masterClrMapping/>
   </p:clrMapOvr>
   <mc:AlternateContent xmlns:mc="http://schemas.openxmlformats.org/markup-compatibility/2006">
-    <mc:Choice xmlns:p14="http://schemas.microsoft.com/office/powerpoint/2010/main" Requires="p14">
+    <mc:Choice xmlns:p14="http://schemas.microsoft.com/office/powerpoint/2010/main" xmlns="" Requires="p14">
       <p:transition spd="slow" p14:dur="1500" advClick="0" advTm="0">
         <p:random/>
       </p:transition>
@@ -28155,7 +27708,7 @@
     <p:bg>
       <p:bgPr>
         <a:blipFill rotWithShape="1">
-          <a:blip r:embed="rId1"/>
+          <a:blip r:embed="rId3" cstate="print"/>
           <a:stretch>
             <a:fillRect/>
           </a:stretch>
@@ -28309,7 +27862,7 @@
     <a:masterClrMapping/>
   </p:clrMapOvr>
   <mc:AlternateContent xmlns:mc="http://schemas.openxmlformats.org/markup-compatibility/2006">
-    <mc:Choice xmlns:p14="http://schemas.microsoft.com/office/powerpoint/2010/main" Requires="p14">
+    <mc:Choice xmlns:p14="http://schemas.microsoft.com/office/powerpoint/2010/main" xmlns="" Requires="p14">
       <p:transition spd="slow" p14:dur="1500" advClick="0" advTm="0">
         <p:random/>
       </p:transition>
@@ -28691,11 +28244,11 @@
           <p:nvPr/>
         </p:nvPicPr>
         <p:blipFill rotWithShape="1">
-          <a:blip r:embed="rId1" cstate="email">
+          <a:blip r:embed="rId3" cstate="email">
             <a:extLst>
               <a:ext uri="{BEBA8EAE-BF5A-486C-A8C5-ECC9F3942E4B}">
-                <a14:imgProps xmlns:a14="http://schemas.microsoft.com/office/drawing/2010/main">
-                  <a14:imgLayer r:embed="rId2">
+                <a14:imgProps xmlns:a14="http://schemas.microsoft.com/office/drawing/2010/main" xmlns="">
+                  <a14:imgLayer r:embed="rId4">
                     <a14:imgEffect>
                       <a14:saturation sat="66000"/>
                     </a14:imgEffect>
@@ -28723,7 +28276,7 @@
           </a:ln>
           <a:extLst>
             <a:ext uri="{909E8E84-426E-40DD-AFC4-6F175D3DCCD1}">
-              <a14:hiddenFill xmlns:a14="http://schemas.microsoft.com/office/drawing/2010/main">
+              <a14:hiddenFill xmlns:a14="http://schemas.microsoft.com/office/drawing/2010/main" xmlns="">
                 <a:solidFill>
                   <a:srgbClr val="FFFFFF"/>
                 </a:solidFill>
@@ -28970,7 +28523,7 @@
     <a:masterClrMapping/>
   </p:clrMapOvr>
   <mc:AlternateContent xmlns:mc="http://schemas.openxmlformats.org/markup-compatibility/2006">
-    <mc:Choice xmlns:p14="http://schemas.microsoft.com/office/powerpoint/2010/main" Requires="p14">
+    <mc:Choice xmlns:p14="http://schemas.microsoft.com/office/powerpoint/2010/main" xmlns="" Requires="p14">
       <p:transition spd="slow" p14:dur="1500" advClick="0" advTm="0">
         <p:random/>
       </p:transition>
@@ -29478,15 +29031,6 @@
               </a:rPr>
               <a:t>项目开发背景</a:t>
             </a:r>
-            <a:endParaRPr lang="zh-CN" altLang="en-US" sz="2000" b="1" dirty="0" smtClean="0">
-              <a:solidFill>
-                <a:schemeClr val="accent5">
-                  <a:lumMod val="75000"/>
-                </a:schemeClr>
-              </a:solidFill>
-              <a:latin typeface="Arial" panose="020B0604020202020204" pitchFamily="34" charset="0"/>
-              <a:ea typeface="微软雅黑" panose="020B0503020204020204" pitchFamily="34" charset="-122"/>
-            </a:endParaRPr>
           </a:p>
         </p:txBody>
       </p:sp>
@@ -29539,7 +29083,23 @@
             </a:r>
             <a:r>
               <a:rPr lang="zh-CN" altLang="en-US" sz="1400" dirty="0" smtClean="0"/>
-              <a:t>当今社会，信息科技已经步入我们的衣食、住、行，时代在进步，汽修店也应该跟着时代共同进步。开发此系统既为了方便汽修店，更是方便了车主用户。</a:t>
+              <a:t>现</a:t>
+            </a:r>
+            <a:r>
+              <a:rPr lang="zh-CN" altLang="en-US" sz="1400" dirty="0" smtClean="0"/>
+              <a:t>在是信息化时代，</a:t>
+            </a:r>
+            <a:r>
+              <a:rPr lang="zh-CN" altLang="en-US" sz="1400" dirty="0" smtClean="0"/>
+              <a:t>信息科技已经步入我们的衣食、住、行，时代在进步，汽修店也应该跟着时代共同进步</a:t>
+            </a:r>
+            <a:r>
+              <a:rPr lang="zh-CN" altLang="en-US" sz="1400" dirty="0" smtClean="0"/>
+              <a:t>。我们开</a:t>
+            </a:r>
+            <a:r>
+              <a:rPr lang="zh-CN" altLang="en-US" sz="1400" dirty="0" smtClean="0"/>
+              <a:t>发此系统既为了方便汽修店，更是方便了车主用户。</a:t>
             </a:r>
             <a:endParaRPr lang="zh-CN" altLang="zh-CN" sz="1400" dirty="0"/>
           </a:p>
@@ -29565,14 +29125,14 @@
           </a:ln>
           <a:extLst>
             <a:ext uri="{909E8E84-426E-40DD-AFC4-6F175D3DCCD1}">
-              <a14:hiddenFill xmlns:a14="http://schemas.microsoft.com/office/drawing/2010/main">
+              <a14:hiddenFill xmlns:a14="http://schemas.microsoft.com/office/drawing/2010/main" xmlns="">
                 <a:solidFill>
                   <a:srgbClr val="FFFFFF"/>
                 </a:solidFill>
               </a14:hiddenFill>
             </a:ext>
             <a:ext uri="{91240B29-F687-4F45-9708-019B960494DF}">
-              <a14:hiddenLine xmlns:a14="http://schemas.microsoft.com/office/drawing/2010/main" w="12700">
+              <a14:hiddenLine xmlns:a14="http://schemas.microsoft.com/office/drawing/2010/main" xmlns="" w="12700">
                 <a:solidFill>
                   <a:schemeClr val="tx1"/>
                 </a:solidFill>
@@ -29606,7 +29166,6 @@
               <a:rPr lang="zh-CN" altLang="zh-CN" sz="1400" dirty="0" smtClean="0"/>
               <a:t>车主用户虽然对计算机系统缺乏了解，但是对微信比较了解，使用频度也非常大。大部分车主在维修保养的过程中想要知道维修保养的进度，对维修保养记录，消费情况的记录及查询有迫切的需求。针对这些特点，此管理系统需要与微信公众号结合使用，为车主用户提供良好的用户体验。</a:t>
             </a:r>
-            <a:endParaRPr lang="zh-CN" altLang="zh-CN" sz="1400" dirty="0" smtClean="0"/>
           </a:p>
           <a:p>
             <a:endParaRPr lang="zh-CN" altLang="zh-CN" sz="1400" dirty="0" smtClean="0"/>
@@ -29659,7 +29218,7 @@
           <p:nvPr/>
         </p:nvPicPr>
         <p:blipFill>
-          <a:blip r:embed="rId1" cstate="print"/>
+          <a:blip r:embed="rId3" cstate="print"/>
           <a:stretch>
             <a:fillRect/>
           </a:stretch>
@@ -29683,7 +29242,7 @@
           <p:nvPr/>
         </p:nvPicPr>
         <p:blipFill>
-          <a:blip r:embed="rId2" cstate="print"/>
+          <a:blip r:embed="rId4" cstate="print"/>
           <a:stretch>
             <a:fillRect/>
           </a:stretch>
@@ -29704,7 +29263,7 @@
     <a:masterClrMapping/>
   </p:clrMapOvr>
   <mc:AlternateContent xmlns:mc="http://schemas.openxmlformats.org/markup-compatibility/2006">
-    <mc:Choice xmlns:p14="http://schemas.microsoft.com/office/powerpoint/2010/main" Requires="p14">
+    <mc:Choice xmlns:p14="http://schemas.microsoft.com/office/powerpoint/2010/main" xmlns="" Requires="p14">
       <p:transition spd="slow" p14:dur="1500" advClick="0" advTm="0">
         <p:random/>
       </p:transition>
@@ -30105,15 +29664,6 @@
               </a:rPr>
               <a:t>汽修店常见的四个问题</a:t>
             </a:r>
-            <a:endParaRPr lang="zh-CN" altLang="en-US" sz="2000" b="1" dirty="0" smtClean="0">
-              <a:solidFill>
-                <a:schemeClr val="accent5">
-                  <a:lumMod val="75000"/>
-                </a:schemeClr>
-              </a:solidFill>
-              <a:latin typeface="Arial" panose="020B0604020202020204" pitchFamily="34" charset="0"/>
-              <a:ea typeface="微软雅黑" panose="020B0503020204020204" pitchFamily="34" charset="-122"/>
-            </a:endParaRPr>
           </a:p>
         </p:txBody>
       </p:sp>
@@ -30938,7 +30488,7 @@
             </a:ln>
             <a:extLst>
               <a:ext uri="{91240B29-F687-4F45-9708-019B960494DF}">
-                <a14:hiddenLine xmlns:a14="http://schemas.microsoft.com/office/drawing/2010/main" w="9525">
+                <a14:hiddenLine xmlns:a14="http://schemas.microsoft.com/office/drawing/2010/main" xmlns="" w="9525">
                   <a:solidFill>
                     <a:srgbClr val="000000"/>
                   </a:solidFill>
@@ -31124,7 +30674,7 @@
             </a:ln>
             <a:extLst>
               <a:ext uri="{91240B29-F687-4F45-9708-019B960494DF}">
-                <a14:hiddenLine xmlns:a14="http://schemas.microsoft.com/office/drawing/2010/main" w="9525">
+                <a14:hiddenLine xmlns:a14="http://schemas.microsoft.com/office/drawing/2010/main" xmlns="" w="9525">
                   <a:solidFill>
                     <a:srgbClr val="000000"/>
                   </a:solidFill>
@@ -31240,7 +30790,7 @@
             </a:ln>
             <a:extLst>
               <a:ext uri="{91240B29-F687-4F45-9708-019B960494DF}">
-                <a14:hiddenLine xmlns:a14="http://schemas.microsoft.com/office/drawing/2010/main" w="9525">
+                <a14:hiddenLine xmlns:a14="http://schemas.microsoft.com/office/drawing/2010/main" xmlns="" w="9525">
                   <a:solidFill>
                     <a:srgbClr val="000000"/>
                   </a:solidFill>
@@ -31336,7 +30886,7 @@
             </a:ln>
             <a:extLst>
               <a:ext uri="{91240B29-F687-4F45-9708-019B960494DF}">
-                <a14:hiddenLine xmlns:a14="http://schemas.microsoft.com/office/drawing/2010/main" w="9525">
+                <a14:hiddenLine xmlns:a14="http://schemas.microsoft.com/office/drawing/2010/main" xmlns="" w="9525">
                   <a:solidFill>
                     <a:srgbClr val="000000"/>
                   </a:solidFill>
@@ -31470,7 +31020,7 @@
             </a:ln>
             <a:extLst>
               <a:ext uri="{91240B29-F687-4F45-9708-019B960494DF}">
-                <a14:hiddenLine xmlns:a14="http://schemas.microsoft.com/office/drawing/2010/main" w="9525">
+                <a14:hiddenLine xmlns:a14="http://schemas.microsoft.com/office/drawing/2010/main" xmlns="" w="9525">
                   <a:solidFill>
                     <a:srgbClr val="000000"/>
                   </a:solidFill>
@@ -31529,7 +31079,7 @@
             </a:ln>
             <a:extLst>
               <a:ext uri="{91240B29-F687-4F45-9708-019B960494DF}">
-                <a14:hiddenLine xmlns:a14="http://schemas.microsoft.com/office/drawing/2010/main" w="9525">
+                <a14:hiddenLine xmlns:a14="http://schemas.microsoft.com/office/drawing/2010/main" xmlns="" w="9525">
                   <a:solidFill>
                     <a:srgbClr val="000000"/>
                   </a:solidFill>
@@ -31568,7 +31118,7 @@
             </a:ln>
             <a:extLst>
               <a:ext uri="{91240B29-F687-4F45-9708-019B960494DF}">
-                <a14:hiddenLine xmlns:a14="http://schemas.microsoft.com/office/drawing/2010/main" w="9525">
+                <a14:hiddenLine xmlns:a14="http://schemas.microsoft.com/office/drawing/2010/main" xmlns="" w="9525">
                   <a:solidFill>
                     <a:srgbClr val="000000"/>
                   </a:solidFill>
@@ -31607,7 +31157,7 @@
             </a:ln>
             <a:extLst>
               <a:ext uri="{91240B29-F687-4F45-9708-019B960494DF}">
-                <a14:hiddenLine xmlns:a14="http://schemas.microsoft.com/office/drawing/2010/main" w="9525">
+                <a14:hiddenLine xmlns:a14="http://schemas.microsoft.com/office/drawing/2010/main" xmlns="" w="9525">
                   <a:solidFill>
                     <a:srgbClr val="000000"/>
                   </a:solidFill>
@@ -31803,7 +31353,7 @@
             </a:ln>
             <a:extLst>
               <a:ext uri="{91240B29-F687-4F45-9708-019B960494DF}">
-                <a14:hiddenLine xmlns:a14="http://schemas.microsoft.com/office/drawing/2010/main" w="9525">
+                <a14:hiddenLine xmlns:a14="http://schemas.microsoft.com/office/drawing/2010/main" xmlns="" w="9525">
                   <a:solidFill>
                     <a:srgbClr val="000000"/>
                   </a:solidFill>
@@ -31842,7 +31392,7 @@
             </a:ln>
             <a:extLst>
               <a:ext uri="{91240B29-F687-4F45-9708-019B960494DF}">
-                <a14:hiddenLine xmlns:a14="http://schemas.microsoft.com/office/drawing/2010/main" w="9525">
+                <a14:hiddenLine xmlns:a14="http://schemas.microsoft.com/office/drawing/2010/main" xmlns="" w="9525">
                   <a:solidFill>
                     <a:srgbClr val="000000"/>
                   </a:solidFill>
@@ -32068,7 +31618,7 @@
             </a:ln>
             <a:extLst>
               <a:ext uri="{91240B29-F687-4F45-9708-019B960494DF}">
-                <a14:hiddenLine xmlns:a14="http://schemas.microsoft.com/office/drawing/2010/main" w="9525">
+                <a14:hiddenLine xmlns:a14="http://schemas.microsoft.com/office/drawing/2010/main" xmlns="" w="9525">
                   <a:solidFill>
                     <a:srgbClr val="000000"/>
                   </a:solidFill>
@@ -32294,7 +31844,7 @@
             </a:ln>
             <a:extLst>
               <a:ext uri="{91240B29-F687-4F45-9708-019B960494DF}">
-                <a14:hiddenLine xmlns:a14="http://schemas.microsoft.com/office/drawing/2010/main" w="9525">
+                <a14:hiddenLine xmlns:a14="http://schemas.microsoft.com/office/drawing/2010/main" xmlns="" w="9525">
                   <a:solidFill>
                     <a:srgbClr val="000000"/>
                   </a:solidFill>
@@ -32466,7 +32016,7 @@
             </a:ln>
             <a:extLst>
               <a:ext uri="{91240B29-F687-4F45-9708-019B960494DF}">
-                <a14:hiddenLine xmlns:a14="http://schemas.microsoft.com/office/drawing/2010/main" w="9525">
+                <a14:hiddenLine xmlns:a14="http://schemas.microsoft.com/office/drawing/2010/main" xmlns="" w="9525">
                   <a:solidFill>
                     <a:srgbClr val="000000"/>
                   </a:solidFill>
@@ -32662,7 +32212,7 @@
             </a:ln>
             <a:extLst>
               <a:ext uri="{91240B29-F687-4F45-9708-019B960494DF}">
-                <a14:hiddenLine xmlns:a14="http://schemas.microsoft.com/office/drawing/2010/main" w="9525">
+                <a14:hiddenLine xmlns:a14="http://schemas.microsoft.com/office/drawing/2010/main" xmlns="" w="9525">
                   <a:solidFill>
                     <a:srgbClr val="000000"/>
                   </a:solidFill>
@@ -32838,7 +32388,7 @@
             </a:ln>
             <a:extLst>
               <a:ext uri="{91240B29-F687-4F45-9708-019B960494DF}">
-                <a14:hiddenLine xmlns:a14="http://schemas.microsoft.com/office/drawing/2010/main" w="9525">
+                <a14:hiddenLine xmlns:a14="http://schemas.microsoft.com/office/drawing/2010/main" xmlns="" w="9525">
                   <a:solidFill>
                     <a:srgbClr val="000000"/>
                   </a:solidFill>
@@ -33024,7 +32574,7 @@
             </a:ln>
             <a:extLst>
               <a:ext uri="{91240B29-F687-4F45-9708-019B960494DF}">
-                <a14:hiddenLine xmlns:a14="http://schemas.microsoft.com/office/drawing/2010/main" w="9525">
+                <a14:hiddenLine xmlns:a14="http://schemas.microsoft.com/office/drawing/2010/main" xmlns="" w="9525">
                   <a:solidFill>
                     <a:srgbClr val="000000"/>
                   </a:solidFill>
@@ -33176,7 +32726,7 @@
             </a:ln>
             <a:extLst>
               <a:ext uri="{91240B29-F687-4F45-9708-019B960494DF}">
-                <a14:hiddenLine xmlns:a14="http://schemas.microsoft.com/office/drawing/2010/main" w="9525">
+                <a14:hiddenLine xmlns:a14="http://schemas.microsoft.com/office/drawing/2010/main" xmlns="" w="9525">
                   <a:solidFill>
                     <a:srgbClr val="000000"/>
                   </a:solidFill>
@@ -33310,7 +32860,7 @@
             </a:ln>
             <a:extLst>
               <a:ext uri="{91240B29-F687-4F45-9708-019B960494DF}">
-                <a14:hiddenLine xmlns:a14="http://schemas.microsoft.com/office/drawing/2010/main" w="9525">
+                <a14:hiddenLine xmlns:a14="http://schemas.microsoft.com/office/drawing/2010/main" xmlns="" w="9525">
                   <a:solidFill>
                     <a:srgbClr val="000000"/>
                   </a:solidFill>
@@ -33426,7 +32976,7 @@
             </a:ln>
             <a:extLst>
               <a:ext uri="{91240B29-F687-4F45-9708-019B960494DF}">
-                <a14:hiddenLine xmlns:a14="http://schemas.microsoft.com/office/drawing/2010/main" w="9525">
+                <a14:hiddenLine xmlns:a14="http://schemas.microsoft.com/office/drawing/2010/main" xmlns="" w="9525">
                   <a:solidFill>
                     <a:srgbClr val="000000"/>
                   </a:solidFill>
@@ -33542,7 +33092,7 @@
             </a:ln>
             <a:extLst>
               <a:ext uri="{91240B29-F687-4F45-9708-019B960494DF}">
-                <a14:hiddenLine xmlns:a14="http://schemas.microsoft.com/office/drawing/2010/main" w="9525">
+                <a14:hiddenLine xmlns:a14="http://schemas.microsoft.com/office/drawing/2010/main" xmlns="" w="9525">
                   <a:solidFill>
                     <a:srgbClr val="000000"/>
                   </a:solidFill>
@@ -33658,7 +33208,7 @@
             </a:ln>
             <a:extLst>
               <a:ext uri="{91240B29-F687-4F45-9708-019B960494DF}">
-                <a14:hiddenLine xmlns:a14="http://schemas.microsoft.com/office/drawing/2010/main" w="9525">
+                <a14:hiddenLine xmlns:a14="http://schemas.microsoft.com/office/drawing/2010/main" xmlns="" w="9525">
                   <a:solidFill>
                     <a:srgbClr val="000000"/>
                   </a:solidFill>
@@ -33774,7 +33324,7 @@
             </a:ln>
             <a:extLst>
               <a:ext uri="{91240B29-F687-4F45-9708-019B960494DF}">
-                <a14:hiddenLine xmlns:a14="http://schemas.microsoft.com/office/drawing/2010/main" w="9525">
+                <a14:hiddenLine xmlns:a14="http://schemas.microsoft.com/office/drawing/2010/main" xmlns="" w="9525">
                   <a:solidFill>
                     <a:srgbClr val="000000"/>
                   </a:solidFill>
@@ -33862,7 +33412,7 @@
             </a:ln>
             <a:extLst>
               <a:ext uri="{91240B29-F687-4F45-9708-019B960494DF}">
-                <a14:hiddenLine xmlns:a14="http://schemas.microsoft.com/office/drawing/2010/main" w="9525">
+                <a14:hiddenLine xmlns:a14="http://schemas.microsoft.com/office/drawing/2010/main" xmlns="" w="9525">
                   <a:solidFill>
                     <a:srgbClr val="000000"/>
                   </a:solidFill>
@@ -33950,7 +33500,7 @@
             </a:ln>
             <a:extLst>
               <a:ext uri="{91240B29-F687-4F45-9708-019B960494DF}">
-                <a14:hiddenLine xmlns:a14="http://schemas.microsoft.com/office/drawing/2010/main" w="9525">
+                <a14:hiddenLine xmlns:a14="http://schemas.microsoft.com/office/drawing/2010/main" xmlns="" w="9525">
                   <a:solidFill>
                     <a:srgbClr val="000000"/>
                   </a:solidFill>
@@ -34038,7 +33588,7 @@
             </a:ln>
             <a:extLst>
               <a:ext uri="{91240B29-F687-4F45-9708-019B960494DF}">
-                <a14:hiddenLine xmlns:a14="http://schemas.microsoft.com/office/drawing/2010/main" w="9525">
+                <a14:hiddenLine xmlns:a14="http://schemas.microsoft.com/office/drawing/2010/main" xmlns="" w="9525">
                   <a:solidFill>
                     <a:srgbClr val="000000"/>
                   </a:solidFill>
@@ -34212,7 +33762,7 @@
             </a:ln>
             <a:extLst>
               <a:ext uri="{91240B29-F687-4F45-9708-019B960494DF}">
-                <a14:hiddenLine xmlns:a14="http://schemas.microsoft.com/office/drawing/2010/main" w="9525">
+                <a14:hiddenLine xmlns:a14="http://schemas.microsoft.com/office/drawing/2010/main" xmlns="" w="9525">
                   <a:solidFill>
                     <a:srgbClr val="000000"/>
                   </a:solidFill>
@@ -34419,7 +33969,7 @@
             </a:ln>
             <a:extLst>
               <a:ext uri="{91240B29-F687-4F45-9708-019B960494DF}">
-                <a14:hiddenLine xmlns:a14="http://schemas.microsoft.com/office/drawing/2010/main" w="9525">
+                <a14:hiddenLine xmlns:a14="http://schemas.microsoft.com/office/drawing/2010/main" xmlns="" w="9525">
                   <a:solidFill>
                     <a:srgbClr val="000000"/>
                   </a:solidFill>
@@ -35384,7 +34934,7 @@
     <a:masterClrMapping/>
   </p:clrMapOvr>
   <mc:AlternateContent xmlns:mc="http://schemas.openxmlformats.org/markup-compatibility/2006">
-    <mc:Choice xmlns:p14="http://schemas.microsoft.com/office/powerpoint/2010/main" Requires="p14">
+    <mc:Choice xmlns:p14="http://schemas.microsoft.com/office/powerpoint/2010/main" xmlns="" Requires="p14">
       <p:transition spd="slow" p14:dur="1500" advClick="0" advTm="0">
         <p:random/>
       </p:transition>
@@ -36166,15 +35716,6 @@
               </a:rPr>
               <a:t>针对汽修店的问题，系统提供对应的解决方案</a:t>
             </a:r>
-            <a:endParaRPr lang="zh-CN" altLang="en-US" sz="2000" b="1" dirty="0" smtClean="0">
-              <a:solidFill>
-                <a:schemeClr val="accent5">
-                  <a:lumMod val="75000"/>
-                </a:schemeClr>
-              </a:solidFill>
-              <a:latin typeface="Arial" panose="020B0604020202020204" pitchFamily="34" charset="0"/>
-              <a:ea typeface="微软雅黑" panose="020B0503020204020204" pitchFamily="34" charset="-122"/>
-            </a:endParaRPr>
           </a:p>
         </p:txBody>
       </p:sp>
@@ -36240,7 +35781,7 @@
             <p:cNvSpPr txBox="1"/>
             <p:nvPr>
               <p:custDataLst>
-                <p:tags r:id="rId2"/>
+                <p:tags r:id="rId16"/>
               </p:custDataLst>
             </p:nvPr>
           </p:nvSpPr>
@@ -36304,7 +35845,7 @@
             <p:cNvSpPr txBox="1"/>
             <p:nvPr>
               <p:custDataLst>
-                <p:tags r:id="rId3"/>
+                <p:tags r:id="rId17"/>
               </p:custDataLst>
             </p:nvPr>
           </p:nvSpPr>
@@ -36364,7 +35905,7 @@
           <p:cNvSpPr/>
           <p:nvPr>
             <p:custDataLst>
-              <p:tags r:id="rId4"/>
+              <p:tags r:id="rId2"/>
             </p:custDataLst>
           </p:nvPr>
         </p:nvSpPr>
@@ -36438,7 +35979,7 @@
           <p:cNvSpPr/>
           <p:nvPr>
             <p:custDataLst>
-              <p:tags r:id="rId5"/>
+              <p:tags r:id="rId3"/>
             </p:custDataLst>
           </p:nvPr>
         </p:nvSpPr>
@@ -36510,7 +36051,7 @@
           <p:cNvSpPr/>
           <p:nvPr>
             <p:custDataLst>
-              <p:tags r:id="rId6"/>
+              <p:tags r:id="rId4"/>
             </p:custDataLst>
           </p:nvPr>
         </p:nvSpPr>
@@ -36582,7 +36123,7 @@
           <p:cNvSpPr/>
           <p:nvPr>
             <p:custDataLst>
-              <p:tags r:id="rId7"/>
+              <p:tags r:id="rId5"/>
             </p:custDataLst>
           </p:nvPr>
         </p:nvSpPr>
@@ -36670,7 +36211,7 @@
             <p:cNvSpPr/>
             <p:nvPr>
               <p:custDataLst>
-                <p:tags r:id="rId8"/>
+                <p:tags r:id="rId15"/>
               </p:custDataLst>
             </p:nvPr>
           </p:nvSpPr>
@@ -37166,7 +36707,7 @@
           <p:cNvCxnSpPr/>
           <p:nvPr>
             <p:custDataLst>
-              <p:tags r:id="rId9"/>
+              <p:tags r:id="rId6"/>
             </p:custDataLst>
           </p:nvPr>
         </p:nvCxnSpPr>
@@ -37208,7 +36749,7 @@
           <p:cNvCxnSpPr/>
           <p:nvPr>
             <p:custDataLst>
-              <p:tags r:id="rId10"/>
+              <p:tags r:id="rId7"/>
             </p:custDataLst>
           </p:nvPr>
         </p:nvCxnSpPr>
@@ -37250,7 +36791,7 @@
           <p:cNvCxnSpPr/>
           <p:nvPr>
             <p:custDataLst>
-              <p:tags r:id="rId11"/>
+              <p:tags r:id="rId8"/>
             </p:custDataLst>
           </p:nvPr>
         </p:nvCxnSpPr>
@@ -37306,7 +36847,7 @@
             <p:cNvSpPr txBox="1"/>
             <p:nvPr>
               <p:custDataLst>
-                <p:tags r:id="rId12"/>
+                <p:tags r:id="rId13"/>
               </p:custDataLst>
             </p:nvPr>
           </p:nvSpPr>
@@ -37370,7 +36911,7 @@
             <p:cNvSpPr txBox="1"/>
             <p:nvPr>
               <p:custDataLst>
-                <p:tags r:id="rId13"/>
+                <p:tags r:id="rId14"/>
               </p:custDataLst>
             </p:nvPr>
           </p:nvSpPr>
@@ -37446,7 +36987,7 @@
             <p:cNvSpPr txBox="1"/>
             <p:nvPr>
               <p:custDataLst>
-                <p:tags r:id="rId14"/>
+                <p:tags r:id="rId11"/>
               </p:custDataLst>
             </p:nvPr>
           </p:nvSpPr>
@@ -37493,14 +37034,6 @@
                 </a:rPr>
                 <a:t>公司管理员能够对配件进行管理，针对数量少的配件及时补充库存，明确的知道每一个配件的供应商</a:t>
               </a:r>
-              <a:endParaRPr lang="zh-CN" altLang="en-US" sz="1400" dirty="0" smtClean="0">
-                <a:solidFill>
-                  <a:schemeClr val="tx1">
-                    <a:lumMod val="75000"/>
-                    <a:lumOff val="25000"/>
-                  </a:schemeClr>
-                </a:solidFill>
-              </a:endParaRPr>
             </a:p>
           </p:txBody>
         </p:sp>
@@ -37510,7 +37043,7 @@
             <p:cNvSpPr txBox="1"/>
             <p:nvPr>
               <p:custDataLst>
-                <p:tags r:id="rId15"/>
+                <p:tags r:id="rId12"/>
               </p:custDataLst>
             </p:nvPr>
           </p:nvSpPr>
@@ -37584,7 +37117,7 @@
             <p:cNvSpPr txBox="1"/>
             <p:nvPr>
               <p:custDataLst>
-                <p:tags r:id="rId16"/>
+                <p:tags r:id="rId9"/>
               </p:custDataLst>
             </p:nvPr>
           </p:nvSpPr>
@@ -37631,14 +37164,6 @@
                 </a:rPr>
                 <a:t>对所有客户的信息进行统一管理，公司管理人员可以对客户的信息管理，车主也可以对自己信息设置</a:t>
               </a:r>
-              <a:endParaRPr lang="zh-CN" altLang="en-US" sz="1400" dirty="0" smtClean="0">
-                <a:solidFill>
-                  <a:schemeClr val="tx1">
-                    <a:lumMod val="75000"/>
-                    <a:lumOff val="25000"/>
-                  </a:schemeClr>
-                </a:solidFill>
-              </a:endParaRPr>
             </a:p>
           </p:txBody>
         </p:sp>
@@ -37648,7 +37173,7 @@
             <p:cNvSpPr txBox="1"/>
             <p:nvPr>
               <p:custDataLst>
-                <p:tags r:id="rId17"/>
+                <p:tags r:id="rId10"/>
               </p:custDataLst>
             </p:nvPr>
           </p:nvSpPr>
@@ -37740,7 +37265,7 @@
     <a:masterClrMapping/>
   </p:clrMapOvr>
   <mc:AlternateContent xmlns:mc="http://schemas.openxmlformats.org/markup-compatibility/2006">
-    <mc:Choice xmlns:p14="http://schemas.microsoft.com/office/powerpoint/2010/main" Requires="p14">
+    <mc:Choice xmlns:p14="http://schemas.microsoft.com/office/powerpoint/2010/main" xmlns="" Requires="p14">
       <p:transition spd="slow" p14:dur="1500" advClick="0" advTm="0">
         <p:random/>
       </p:transition>
@@ -38346,7 +37871,7 @@
           <p:nvPr/>
         </p:nvPicPr>
         <p:blipFill>
-          <a:blip r:embed="rId1" cstate="print"/>
+          <a:blip r:embed="rId3" cstate="print"/>
           <a:stretch>
             <a:fillRect/>
           </a:stretch>
@@ -38543,13 +38068,6 @@
               </a:rPr>
               <a:t>团队成员介绍</a:t>
             </a:r>
-            <a:endParaRPr lang="zh-CN" altLang="en-US" sz="4400" b="1" dirty="0" smtClean="0">
-              <a:solidFill>
-                <a:schemeClr val="bg1"/>
-              </a:solidFill>
-              <a:latin typeface="+mj-ea"/>
-              <a:ea typeface="+mj-ea"/>
-            </a:endParaRPr>
           </a:p>
         </p:txBody>
       </p:sp>
@@ -38589,7 +38107,7 @@
     <a:masterClrMapping/>
   </p:clrMapOvr>
   <mc:AlternateContent xmlns:mc="http://schemas.openxmlformats.org/markup-compatibility/2006">
-    <mc:Choice xmlns:p14="http://schemas.microsoft.com/office/powerpoint/2010/main" Requires="p14">
+    <mc:Choice xmlns:p14="http://schemas.microsoft.com/office/powerpoint/2010/main" xmlns="" Requires="p14">
       <p:transition spd="slow" p14:dur="1500" advClick="0" advTm="0">
         <p:random/>
       </p:transition>
@@ -39148,15 +38666,6 @@
               </a:rPr>
               <a:t>团队介绍</a:t>
             </a:r>
-            <a:endParaRPr lang="zh-CN" altLang="en-US" sz="2000" b="1" dirty="0" smtClean="0">
-              <a:solidFill>
-                <a:schemeClr val="accent5">
-                  <a:lumMod val="75000"/>
-                </a:schemeClr>
-              </a:solidFill>
-              <a:latin typeface="Arial" panose="020B0604020202020204" pitchFamily="34" charset="0"/>
-              <a:ea typeface="微软雅黑" panose="020B0503020204020204" pitchFamily="34" charset="-122"/>
-            </a:endParaRPr>
           </a:p>
         </p:txBody>
       </p:sp>
@@ -39169,7 +38678,7 @@
           <p:nvPr/>
         </p:nvPicPr>
         <p:blipFill>
-          <a:blip r:embed="rId1" cstate="email"/>
+          <a:blip r:embed="rId3" cstate="email"/>
           <a:stretch>
             <a:fillRect/>
           </a:stretch>
@@ -39185,7 +38694,7 @@
           <a:noFill/>
           <a:extLst>
             <a:ext uri="{909E8E84-426E-40DD-AFC4-6F175D3DCCD1}">
-              <a14:hiddenFill xmlns:a14="http://schemas.microsoft.com/office/drawing/2010/main">
+              <a14:hiddenFill xmlns:a14="http://schemas.microsoft.com/office/drawing/2010/main" xmlns="">
                 <a:solidFill>
                   <a:srgbClr val="FFFFFF"/>
                 </a:solidFill>
@@ -39287,11 +38796,6 @@
                 </a:rPr>
                 <a:t>专业</a:t>
               </a:r>
-              <a:endParaRPr lang="zh-CN" altLang="en-US" sz="2400" b="1" dirty="0">
-                <a:solidFill>
-                  <a:schemeClr val="bg1"/>
-                </a:solidFill>
-              </a:endParaRPr>
             </a:p>
           </p:txBody>
         </p:sp>
@@ -39615,14 +39119,14 @@
           </a:ln>
           <a:extLst>
             <a:ext uri="{909E8E84-426E-40DD-AFC4-6F175D3DCCD1}">
-              <a14:hiddenFill xmlns:a14="http://schemas.microsoft.com/office/drawing/2010/main">
+              <a14:hiddenFill xmlns:a14="http://schemas.microsoft.com/office/drawing/2010/main" xmlns="">
                 <a:solidFill>
                   <a:srgbClr val="FFFFFF"/>
                 </a:solidFill>
               </a14:hiddenFill>
             </a:ext>
             <a:ext uri="{91240B29-F687-4F45-9708-019B960494DF}">
-              <a14:hiddenLine xmlns:a14="http://schemas.microsoft.com/office/drawing/2010/main" w="12700">
+              <a14:hiddenLine xmlns:a14="http://schemas.microsoft.com/office/drawing/2010/main" xmlns="" w="12700">
                 <a:solidFill>
                   <a:schemeClr val="tx1"/>
                 </a:solidFill>
@@ -39718,18 +39222,6 @@
               </a:rPr>
               <a:t>，才有一个好项目。</a:t>
             </a:r>
-            <a:endParaRPr lang="zh-CN" altLang="en-US" sz="1400" dirty="0" smtClean="0">
-              <a:solidFill>
-                <a:schemeClr val="tx1">
-                  <a:lumMod val="75000"/>
-                  <a:lumOff val="25000"/>
-                </a:schemeClr>
-              </a:solidFill>
-              <a:latin typeface="微软雅黑" panose="020B0503020204020204" pitchFamily="34" charset="-122"/>
-              <a:ea typeface="微软雅黑" panose="020B0503020204020204" pitchFamily="34" charset="-122"/>
-              <a:cs typeface="Lato Light" charset="0"/>
-              <a:sym typeface="Lato Light" charset="0"/>
-            </a:endParaRPr>
           </a:p>
           <a:p>
             <a:pPr fontAlgn="base">
@@ -39756,20 +39248,98 @@
                 <a:cs typeface="Lato Light" charset="0"/>
                 <a:sym typeface="Lato Light" charset="0"/>
               </a:rPr>
-              <a:t>我们的团队虽然年轻但是专业，在相信梦想的路上高效前行。</a:t>
+              <a:t>我们的团队虽然年</a:t>
             </a:r>
-            <a:endParaRPr lang="zh-CN" altLang="en-US" sz="1400" dirty="0" smtClean="0">
-              <a:solidFill>
-                <a:schemeClr val="tx1">
-                  <a:lumMod val="75000"/>
-                  <a:lumOff val="25000"/>
-                </a:schemeClr>
-              </a:solidFill>
-              <a:latin typeface="微软雅黑" panose="020B0503020204020204" pitchFamily="34" charset="-122"/>
-              <a:ea typeface="微软雅黑" panose="020B0503020204020204" pitchFamily="34" charset="-122"/>
-              <a:cs typeface="Lato Light" charset="0"/>
-              <a:sym typeface="Lato Light" charset="0"/>
-            </a:endParaRPr>
+            <a:r>
+              <a:rPr lang="zh-CN" altLang="en-US" sz="1400" dirty="0" smtClean="0">
+                <a:solidFill>
+                  <a:schemeClr val="tx1">
+                    <a:lumMod val="75000"/>
+                    <a:lumOff val="25000"/>
+                  </a:schemeClr>
+                </a:solidFill>
+                <a:latin typeface="微软雅黑" panose="020B0503020204020204" pitchFamily="34" charset="-122"/>
+                <a:ea typeface="微软雅黑" panose="020B0503020204020204" pitchFamily="34" charset="-122"/>
+                <a:cs typeface="Lato Light" charset="0"/>
+                <a:sym typeface="Lato Light" charset="0"/>
+              </a:rPr>
+              <a:t>轻，但专</a:t>
+            </a:r>
+            <a:r>
+              <a:rPr lang="zh-CN" altLang="en-US" sz="1400" dirty="0" smtClean="0">
+                <a:solidFill>
+                  <a:schemeClr val="tx1">
+                    <a:lumMod val="75000"/>
+                    <a:lumOff val="25000"/>
+                  </a:schemeClr>
+                </a:solidFill>
+                <a:latin typeface="微软雅黑" panose="020B0503020204020204" pitchFamily="34" charset="-122"/>
+                <a:ea typeface="微软雅黑" panose="020B0503020204020204" pitchFamily="34" charset="-122"/>
+                <a:cs typeface="Lato Light" charset="0"/>
+                <a:sym typeface="Lato Light" charset="0"/>
+              </a:rPr>
+              <a:t>业</a:t>
+            </a:r>
+            <a:r>
+              <a:rPr lang="zh-CN" altLang="en-US" sz="1400" dirty="0" smtClean="0">
+                <a:solidFill>
+                  <a:schemeClr val="tx1">
+                    <a:lumMod val="75000"/>
+                    <a:lumOff val="25000"/>
+                  </a:schemeClr>
+                </a:solidFill>
+                <a:latin typeface="微软雅黑" panose="020B0503020204020204" pitchFamily="34" charset="-122"/>
+                <a:ea typeface="微软雅黑" panose="020B0503020204020204" pitchFamily="34" charset="-122"/>
+                <a:cs typeface="Lato Light" charset="0"/>
+                <a:sym typeface="Lato Light" charset="0"/>
+              </a:rPr>
+              <a:t>，相信未来在梦</a:t>
+            </a:r>
+            <a:r>
+              <a:rPr lang="zh-CN" altLang="en-US" sz="1400" dirty="0" smtClean="0">
+                <a:solidFill>
+                  <a:schemeClr val="tx1">
+                    <a:lumMod val="75000"/>
+                    <a:lumOff val="25000"/>
+                  </a:schemeClr>
+                </a:solidFill>
+                <a:latin typeface="微软雅黑" panose="020B0503020204020204" pitchFamily="34" charset="-122"/>
+                <a:ea typeface="微软雅黑" panose="020B0503020204020204" pitchFamily="34" charset="-122"/>
+                <a:cs typeface="Lato Light" charset="0"/>
+                <a:sym typeface="Lato Light" charset="0"/>
+              </a:rPr>
+              <a:t>想的路</a:t>
+            </a:r>
+            <a:r>
+              <a:rPr lang="zh-CN" altLang="en-US" sz="1400" dirty="0" smtClean="0">
+                <a:solidFill>
+                  <a:schemeClr val="tx1">
+                    <a:lumMod val="75000"/>
+                    <a:lumOff val="25000"/>
+                  </a:schemeClr>
+                </a:solidFill>
+                <a:latin typeface="微软雅黑" panose="020B0503020204020204" pitchFamily="34" charset="-122"/>
+                <a:ea typeface="微软雅黑" panose="020B0503020204020204" pitchFamily="34" charset="-122"/>
+                <a:cs typeface="Lato Light" charset="0"/>
+                <a:sym typeface="Lato Light" charset="0"/>
+              </a:rPr>
+              <a:t>上我们可以高</a:t>
+            </a:r>
+            <a:r>
+              <a:rPr lang="zh-CN" altLang="en-US" sz="1400" dirty="0" smtClean="0">
+                <a:solidFill>
+                  <a:schemeClr val="tx1">
+                    <a:lumMod val="75000"/>
+                    <a:lumOff val="25000"/>
+                  </a:schemeClr>
+                </a:solidFill>
+                <a:latin typeface="微软雅黑" panose="020B0503020204020204" pitchFamily="34" charset="-122"/>
+                <a:ea typeface="微软雅黑" panose="020B0503020204020204" pitchFamily="34" charset="-122"/>
+                <a:cs typeface="Lato Light" charset="0"/>
+                <a:sym typeface="Lato Light" charset="0"/>
+              </a:rPr>
+              <a:t>效前行。</a:t>
+            </a:r>
           </a:p>
           <a:p>
             <a:pPr fontAlgn="base">
@@ -39834,7 +39404,7 @@
     <a:masterClrMapping/>
   </p:clrMapOvr>
   <mc:AlternateContent xmlns:mc="http://schemas.openxmlformats.org/markup-compatibility/2006">
-    <mc:Choice xmlns:p14="http://schemas.microsoft.com/office/powerpoint/2010/main" Requires="p14">
+    <mc:Choice xmlns:p14="http://schemas.microsoft.com/office/powerpoint/2010/main" xmlns="" Requires="p14">
       <p:transition spd="slow" p14:dur="1500" advClick="0" advTm="0">
         <p:random/>
       </p:transition>
@@ -40533,15 +40103,6 @@
               </a:rPr>
               <a:t>项目负责人</a:t>
             </a:r>
-            <a:endParaRPr lang="zh-CN" altLang="en-US" sz="2000" b="1" dirty="0" smtClean="0">
-              <a:solidFill>
-                <a:schemeClr val="accent5">
-                  <a:lumMod val="75000"/>
-                </a:schemeClr>
-              </a:solidFill>
-              <a:latin typeface="Arial" panose="020B0604020202020204" pitchFamily="34" charset="0"/>
-              <a:ea typeface="微软雅黑" panose="020B0503020204020204" pitchFamily="34" charset="-122"/>
-            </a:endParaRPr>
           </a:p>
         </p:txBody>
       </p:sp>
@@ -40642,17 +40203,6 @@
               </a:rPr>
               <a:t>团队负责人</a:t>
             </a:r>
-            <a:endParaRPr lang="zh-CN" altLang="en-US" sz="1400" dirty="0">
-              <a:solidFill>
-                <a:schemeClr val="tx1">
-                  <a:lumMod val="75000"/>
-                  <a:lumOff val="25000"/>
-                </a:schemeClr>
-              </a:solidFill>
-              <a:latin typeface="微软雅黑" panose="020B0503020204020204" pitchFamily="34" charset="-122"/>
-              <a:cs typeface="Lato Light" charset="0"/>
-              <a:sym typeface="Lato Light" charset="0"/>
-            </a:endParaRPr>
           </a:p>
           <a:p>
             <a:pPr algn="ctr" fontAlgn="base">
@@ -40677,17 +40227,6 @@
               </a:rPr>
               <a:t>项目架构师</a:t>
             </a:r>
-            <a:endParaRPr lang="zh-CN" altLang="en-US" sz="1400" dirty="0">
-              <a:solidFill>
-                <a:schemeClr val="tx1">
-                  <a:lumMod val="75000"/>
-                  <a:lumOff val="25000"/>
-                </a:schemeClr>
-              </a:solidFill>
-              <a:latin typeface="微软雅黑" panose="020B0503020204020204" pitchFamily="34" charset="-122"/>
-              <a:cs typeface="Lato Light" charset="0"/>
-              <a:sym typeface="Lato Light" charset="0"/>
-            </a:endParaRPr>
           </a:p>
         </p:txBody>
       </p:sp>
@@ -40736,16 +40275,6 @@
               </a:rPr>
               <a:t>负责项目策划搭建，市场调研，数据库整理。</a:t>
             </a:r>
-            <a:endParaRPr lang="zh-CN" altLang="en-US" sz="1400" dirty="0" smtClean="0">
-              <a:solidFill>
-                <a:schemeClr val="tx1">
-                  <a:lumMod val="75000"/>
-                  <a:lumOff val="25000"/>
-                </a:schemeClr>
-              </a:solidFill>
-              <a:latin typeface="微软雅黑" panose="020B0503020204020204" pitchFamily="34" charset="-122"/>
-              <a:sym typeface="Gill Sans" charset="0"/>
-            </a:endParaRPr>
           </a:p>
         </p:txBody>
       </p:sp>
@@ -41102,16 +40631,6 @@
               </a:rPr>
               <a:t>负责项目的核心开发，方法抽离。</a:t>
             </a:r>
-            <a:endParaRPr lang="zh-CN" altLang="en-US" sz="1400" dirty="0" smtClean="0">
-              <a:solidFill>
-                <a:schemeClr val="tx1">
-                  <a:lumMod val="75000"/>
-                  <a:lumOff val="25000"/>
-                </a:schemeClr>
-              </a:solidFill>
-              <a:latin typeface="微软雅黑" panose="020B0503020204020204" pitchFamily="34" charset="-122"/>
-              <a:sym typeface="Gill Sans" charset="0"/>
-            </a:endParaRPr>
           </a:p>
         </p:txBody>
       </p:sp>
@@ -41160,16 +40679,6 @@
               </a:rPr>
               <a:t>主要负责项目财务统计模块，数据报表处理。</a:t>
             </a:r>
-            <a:endParaRPr lang="zh-CN" altLang="en-US" sz="1400" dirty="0" smtClean="0">
-              <a:solidFill>
-                <a:schemeClr val="tx1">
-                  <a:lumMod val="75000"/>
-                  <a:lumOff val="25000"/>
-                </a:schemeClr>
-              </a:solidFill>
-              <a:latin typeface="微软雅黑" panose="020B0503020204020204" pitchFamily="34" charset="-122"/>
-              <a:sym typeface="Gill Sans" charset="0"/>
-            </a:endParaRPr>
           </a:p>
         </p:txBody>
       </p:sp>
@@ -41179,7 +40688,7 @@
     <a:masterClrMapping/>
   </p:clrMapOvr>
   <mc:AlternateContent xmlns:mc="http://schemas.openxmlformats.org/markup-compatibility/2006">
-    <mc:Choice xmlns:p14="http://schemas.microsoft.com/office/powerpoint/2010/main" Requires="p14">
+    <mc:Choice xmlns:p14="http://schemas.microsoft.com/office/powerpoint/2010/main" xmlns="" Requires="p14">
       <p:transition spd="slow" p14:dur="1500" advClick="0" advTm="0">
         <p:random/>
       </p:transition>
@@ -41562,7 +41071,7 @@
 </file>
 
 <file path=ppt/tags/tag1.xml><?xml version="1.0" encoding="utf-8"?>
-<p:tagLst xmlns:p="http://schemas.openxmlformats.org/presentationml/2006/main">
+<p:tagLst xmlns:a="http://schemas.openxmlformats.org/drawingml/2006/main" xmlns:r="http://schemas.openxmlformats.org/officeDocument/2006/relationships" xmlns:p="http://schemas.openxmlformats.org/presentationml/2006/main">
   <p:tag name="MH" val="20151107092852"/>
   <p:tag name="MH_LIBRARY" val="GRAPHIC"/>
   <p:tag name="MH_TYPE" val="Other"/>
@@ -41571,25 +41080,16 @@
 </file>
 
 <file path=ppt/tags/tag10.xml><?xml version="1.0" encoding="utf-8"?>
-<p:tagLst xmlns:p="http://schemas.openxmlformats.org/presentationml/2006/main">
+<p:tagLst xmlns:a="http://schemas.openxmlformats.org/drawingml/2006/main" xmlns:r="http://schemas.openxmlformats.org/officeDocument/2006/relationships" xmlns:p="http://schemas.openxmlformats.org/presentationml/2006/main">
   <p:tag name="MH" val="20151107092852"/>
   <p:tag name="MH_LIBRARY" val="GRAPHIC"/>
-  <p:tag name="MH_TYPE" val="Other"/>
-  <p:tag name="MH_ORDER" val="4"/>
+  <p:tag name="MH_TYPE" val="SubTitle"/>
+  <p:tag name="MH_ORDER" val="2"/>
 </p:tagLst>
 </file>
 
 <file path=ppt/tags/tag11.xml><?xml version="1.0" encoding="utf-8"?>
-<p:tagLst xmlns:p="http://schemas.openxmlformats.org/presentationml/2006/main">
-  <p:tag name="MH" val="20151107092852"/>
-  <p:tag name="MH_LIBRARY" val="GRAPHIC"/>
-  <p:tag name="MH_TYPE" val="Other"/>
-  <p:tag name="MH_ORDER" val="4"/>
-</p:tagLst>
-</file>
-
-<file path=ppt/tags/tag12.xml><?xml version="1.0" encoding="utf-8"?>
-<p:tagLst xmlns:p="http://schemas.openxmlformats.org/presentationml/2006/main">
+<p:tagLst xmlns:a="http://schemas.openxmlformats.org/drawingml/2006/main" xmlns:r="http://schemas.openxmlformats.org/officeDocument/2006/relationships" xmlns:p="http://schemas.openxmlformats.org/presentationml/2006/main">
   <p:tag name="MH" val="20151107092852"/>
   <p:tag name="MH_LIBRARY" val="GRAPHIC"/>
   <p:tag name="MH_TYPE" val="Text"/>
@@ -41597,8 +41097,8 @@
 </p:tagLst>
 </file>
 
-<file path=ppt/tags/tag13.xml><?xml version="1.0" encoding="utf-8"?>
-<p:tagLst xmlns:p="http://schemas.openxmlformats.org/presentationml/2006/main">
+<file path=ppt/tags/tag12.xml><?xml version="1.0" encoding="utf-8"?>
+<p:tagLst xmlns:a="http://schemas.openxmlformats.org/drawingml/2006/main" xmlns:r="http://schemas.openxmlformats.org/officeDocument/2006/relationships" xmlns:p="http://schemas.openxmlformats.org/presentationml/2006/main">
   <p:tag name="MH" val="20151107092852"/>
   <p:tag name="MH_LIBRARY" val="GRAPHIC"/>
   <p:tag name="MH_TYPE" val="SubTitle"/>
@@ -41606,8 +41106,8 @@
 </p:tagLst>
 </file>
 
-<file path=ppt/tags/tag14.xml><?xml version="1.0" encoding="utf-8"?>
-<p:tagLst xmlns:p="http://schemas.openxmlformats.org/presentationml/2006/main">
+<file path=ppt/tags/tag13.xml><?xml version="1.0" encoding="utf-8"?>
+<p:tagLst xmlns:a="http://schemas.openxmlformats.org/drawingml/2006/main" xmlns:r="http://schemas.openxmlformats.org/officeDocument/2006/relationships" xmlns:p="http://schemas.openxmlformats.org/presentationml/2006/main">
   <p:tag name="MH" val="20151107092852"/>
   <p:tag name="MH_LIBRARY" val="GRAPHIC"/>
   <p:tag name="MH_TYPE" val="Text"/>
@@ -41615,8 +41115,8 @@
 </p:tagLst>
 </file>
 
-<file path=ppt/tags/tag15.xml><?xml version="1.0" encoding="utf-8"?>
-<p:tagLst xmlns:p="http://schemas.openxmlformats.org/presentationml/2006/main">
+<file path=ppt/tags/tag14.xml><?xml version="1.0" encoding="utf-8"?>
+<p:tagLst xmlns:a="http://schemas.openxmlformats.org/drawingml/2006/main" xmlns:r="http://schemas.openxmlformats.org/officeDocument/2006/relationships" xmlns:p="http://schemas.openxmlformats.org/presentationml/2006/main">
   <p:tag name="MH" val="20151107092852"/>
   <p:tag name="MH_LIBRARY" val="GRAPHIC"/>
   <p:tag name="MH_TYPE" val="SubTitle"/>
@@ -41624,8 +41124,17 @@
 </p:tagLst>
 </file>
 
+<file path=ppt/tags/tag15.xml><?xml version="1.0" encoding="utf-8"?>
+<p:tagLst xmlns:a="http://schemas.openxmlformats.org/drawingml/2006/main" xmlns:r="http://schemas.openxmlformats.org/officeDocument/2006/relationships" xmlns:p="http://schemas.openxmlformats.org/presentationml/2006/main">
+  <p:tag name="MH" val="20151107092852"/>
+  <p:tag name="MH_LIBRARY" val="GRAPHIC"/>
+  <p:tag name="MH_TYPE" val="Other"/>
+  <p:tag name="MH_ORDER" val="5"/>
+</p:tagLst>
+</file>
+
 <file path=ppt/tags/tag16.xml><?xml version="1.0" encoding="utf-8"?>
-<p:tagLst xmlns:p="http://schemas.openxmlformats.org/presentationml/2006/main">
+<p:tagLst xmlns:a="http://schemas.openxmlformats.org/drawingml/2006/main" xmlns:r="http://schemas.openxmlformats.org/officeDocument/2006/relationships" xmlns:p="http://schemas.openxmlformats.org/presentationml/2006/main">
   <p:tag name="MH" val="20151107092852"/>
   <p:tag name="MH_LIBRARY" val="GRAPHIC"/>
   <p:tag name="MH_TYPE" val="Text"/>
@@ -41634,7 +41143,7 @@
 </file>
 
 <file path=ppt/tags/tag17.xml><?xml version="1.0" encoding="utf-8"?>
-<p:tagLst xmlns:p="http://schemas.openxmlformats.org/presentationml/2006/main">
+<p:tagLst xmlns:a="http://schemas.openxmlformats.org/drawingml/2006/main" xmlns:r="http://schemas.openxmlformats.org/officeDocument/2006/relationships" xmlns:p="http://schemas.openxmlformats.org/presentationml/2006/main">
   <p:tag name="MH" val="20151107092852"/>
   <p:tag name="MH_LIBRARY" val="GRAPHIC"/>
   <p:tag name="MH_TYPE" val="SubTitle"/>
@@ -41643,25 +41152,25 @@
 </file>
 
 <file path=ppt/tags/tag2.xml><?xml version="1.0" encoding="utf-8"?>
-<p:tagLst xmlns:p="http://schemas.openxmlformats.org/presentationml/2006/main">
+<p:tagLst xmlns:a="http://schemas.openxmlformats.org/drawingml/2006/main" xmlns:r="http://schemas.openxmlformats.org/officeDocument/2006/relationships" xmlns:p="http://schemas.openxmlformats.org/presentationml/2006/main">
   <p:tag name="MH" val="20151107092852"/>
   <p:tag name="MH_LIBRARY" val="GRAPHIC"/>
-  <p:tag name="MH_TYPE" val="Text"/>
-  <p:tag name="MH_ORDER" val="2"/>
+  <p:tag name="MH_TYPE" val="Other"/>
+  <p:tag name="MH_ORDER" val="1"/>
 </p:tagLst>
 </file>
 
 <file path=ppt/tags/tag3.xml><?xml version="1.0" encoding="utf-8"?>
-<p:tagLst xmlns:p="http://schemas.openxmlformats.org/presentationml/2006/main">
+<p:tagLst xmlns:a="http://schemas.openxmlformats.org/drawingml/2006/main" xmlns:r="http://schemas.openxmlformats.org/officeDocument/2006/relationships" xmlns:p="http://schemas.openxmlformats.org/presentationml/2006/main">
   <p:tag name="MH" val="20151107092852"/>
   <p:tag name="MH_LIBRARY" val="GRAPHIC"/>
-  <p:tag name="MH_TYPE" val="SubTitle"/>
-  <p:tag name="MH_ORDER" val="2"/>
+  <p:tag name="MH_TYPE" val="Other"/>
+  <p:tag name="MH_ORDER" val="3"/>
 </p:tagLst>
 </file>
 
 <file path=ppt/tags/tag4.xml><?xml version="1.0" encoding="utf-8"?>
-<p:tagLst xmlns:p="http://schemas.openxmlformats.org/presentationml/2006/main">
+<p:tagLst xmlns:a="http://schemas.openxmlformats.org/drawingml/2006/main" xmlns:r="http://schemas.openxmlformats.org/officeDocument/2006/relationships" xmlns:p="http://schemas.openxmlformats.org/presentationml/2006/main">
   <p:tag name="MH" val="20151107092852"/>
   <p:tag name="MH_LIBRARY" val="GRAPHIC"/>
   <p:tag name="MH_TYPE" val="Other"/>
@@ -41670,16 +41179,7 @@
 </file>
 
 <file path=ppt/tags/tag5.xml><?xml version="1.0" encoding="utf-8"?>
-<p:tagLst xmlns:p="http://schemas.openxmlformats.org/presentationml/2006/main">
-  <p:tag name="MH" val="20151107092852"/>
-  <p:tag name="MH_LIBRARY" val="GRAPHIC"/>
-  <p:tag name="MH_TYPE" val="Other"/>
-  <p:tag name="MH_ORDER" val="3"/>
-</p:tagLst>
-</file>
-
-<file path=ppt/tags/tag6.xml><?xml version="1.0" encoding="utf-8"?>
-<p:tagLst xmlns:p="http://schemas.openxmlformats.org/presentationml/2006/main">
+<p:tagLst xmlns:a="http://schemas.openxmlformats.org/drawingml/2006/main" xmlns:r="http://schemas.openxmlformats.org/officeDocument/2006/relationships" xmlns:p="http://schemas.openxmlformats.org/presentationml/2006/main">
   <p:tag name="MH" val="20151107092852"/>
   <p:tag name="MH_LIBRARY" val="GRAPHIC"/>
   <p:tag name="MH_TYPE" val="Other"/>
@@ -41687,30 +41187,39 @@
 </p:tagLst>
 </file>
 
-<file path=ppt/tags/tag7.xml><?xml version="1.0" encoding="utf-8"?>
-<p:tagLst xmlns:p="http://schemas.openxmlformats.org/presentationml/2006/main">
+<file path=ppt/tags/tag6.xml><?xml version="1.0" encoding="utf-8"?>
+<p:tagLst xmlns:a="http://schemas.openxmlformats.org/drawingml/2006/main" xmlns:r="http://schemas.openxmlformats.org/officeDocument/2006/relationships" xmlns:p="http://schemas.openxmlformats.org/presentationml/2006/main">
   <p:tag name="MH" val="20151107092852"/>
   <p:tag name="MH_LIBRARY" val="GRAPHIC"/>
   <p:tag name="MH_TYPE" val="Other"/>
-  <p:tag name="MH_ORDER" val="1"/>
+  <p:tag name="MH_ORDER" val="4"/>
+</p:tagLst>
+</file>
+
+<file path=ppt/tags/tag7.xml><?xml version="1.0" encoding="utf-8"?>
+<p:tagLst xmlns:a="http://schemas.openxmlformats.org/drawingml/2006/main" xmlns:r="http://schemas.openxmlformats.org/officeDocument/2006/relationships" xmlns:p="http://schemas.openxmlformats.org/presentationml/2006/main">
+  <p:tag name="MH" val="20151107092852"/>
+  <p:tag name="MH_LIBRARY" val="GRAPHIC"/>
+  <p:tag name="MH_TYPE" val="Other"/>
+  <p:tag name="MH_ORDER" val="4"/>
 </p:tagLst>
 </file>
 
 <file path=ppt/tags/tag8.xml><?xml version="1.0" encoding="utf-8"?>
-<p:tagLst xmlns:p="http://schemas.openxmlformats.org/presentationml/2006/main">
+<p:tagLst xmlns:a="http://schemas.openxmlformats.org/drawingml/2006/main" xmlns:r="http://schemas.openxmlformats.org/officeDocument/2006/relationships" xmlns:p="http://schemas.openxmlformats.org/presentationml/2006/main">
   <p:tag name="MH" val="20151107092852"/>
   <p:tag name="MH_LIBRARY" val="GRAPHIC"/>
   <p:tag name="MH_TYPE" val="Other"/>
-  <p:tag name="MH_ORDER" val="5"/>
+  <p:tag name="MH_ORDER" val="4"/>
 </p:tagLst>
 </file>
 
 <file path=ppt/tags/tag9.xml><?xml version="1.0" encoding="utf-8"?>
-<p:tagLst xmlns:p="http://schemas.openxmlformats.org/presentationml/2006/main">
+<p:tagLst xmlns:a="http://schemas.openxmlformats.org/drawingml/2006/main" xmlns:r="http://schemas.openxmlformats.org/officeDocument/2006/relationships" xmlns:p="http://schemas.openxmlformats.org/presentationml/2006/main">
   <p:tag name="MH" val="20151107092852"/>
   <p:tag name="MH_LIBRARY" val="GRAPHIC"/>
-  <p:tag name="MH_TYPE" val="Other"/>
-  <p:tag name="MH_ORDER" val="4"/>
+  <p:tag name="MH_TYPE" val="Text"/>
+  <p:tag name="MH_ORDER" val="2"/>
 </p:tagLst>
 </file>
 
@@ -41958,7 +41467,7 @@
   <a:extraClrSchemeLst/>
   <a:extLst>
     <a:ext uri="{05A4C25C-085E-4340-85A3-A5531E510DB2}">
-      <thm15:themeFamily xmlns:thm15="http://schemas.microsoft.com/office/thememl/2012/main" name="Office Theme" id="{62F939B6-93AF-4DB8-9C6B-D6C7DFDC589F}" vid="{4A3C46E8-61CC-4603-A589-7422A47A8E4A}"/>
+      <thm15:themeFamily xmlns:thm15="http://schemas.microsoft.com/office/thememl/2012/main" xmlns="" name="Office Theme" id="{62F939B6-93AF-4DB8-9C6B-D6C7DFDC589F}" vid="{4A3C46E8-61CC-4603-A589-7422A47A8E4A}"/>
     </a:ext>
   </a:extLst>
 </a:theme>
@@ -42219,7 +41728,7 @@
   <a:extraClrSchemeLst/>
   <a:extLst>
     <a:ext uri="{05A4C25C-085E-4340-85A3-A5531E510DB2}">
-      <thm15:themeFamily xmlns:thm15="http://schemas.microsoft.com/office/thememl/2012/main" name="Office Theme" id="{62F939B6-93AF-4DB8-9C6B-D6C7DFDC589F}" vid="{4A3C46E8-61CC-4603-A589-7422A47A8E4A}"/>
+      <thm15:themeFamily xmlns:thm15="http://schemas.microsoft.com/office/thememl/2012/main" xmlns="" name="Office Theme" id="{62F939B6-93AF-4DB8-9C6B-D6C7DFDC589F}" vid="{4A3C46E8-61CC-4603-A589-7422A47A8E4A}"/>
     </a:ext>
   </a:extLst>
 </a:theme>
